--- a/files/admin-guide/SAC-admin-guide-overview.pptx
+++ b/files/admin-guide/SAC-admin-guide-overview.pptx
@@ -5,7 +5,7 @@
     <p:sldMasterId id="2147483648" r:id="rId1"/>
   </p:sldMasterIdLst>
   <p:notesMasterIdLst>
-    <p:notesMasterId r:id="rId21"/>
+    <p:notesMasterId r:id="rId22"/>
   </p:notesMasterIdLst>
   <p:sldIdLst>
     <p:sldId id="256" r:id="rId2"/>
@@ -18,15 +18,16 @@
     <p:sldId id="334" r:id="rId9"/>
     <p:sldId id="336" r:id="rId10"/>
     <p:sldId id="344" r:id="rId11"/>
-    <p:sldId id="350" r:id="rId12"/>
-    <p:sldId id="349" r:id="rId13"/>
-    <p:sldId id="345" r:id="rId14"/>
-    <p:sldId id="341" r:id="rId15"/>
-    <p:sldId id="346" r:id="rId16"/>
-    <p:sldId id="337" r:id="rId17"/>
-    <p:sldId id="338" r:id="rId18"/>
-    <p:sldId id="339" r:id="rId19"/>
-    <p:sldId id="340" r:id="rId20"/>
+    <p:sldId id="351" r:id="rId12"/>
+    <p:sldId id="352" r:id="rId13"/>
+    <p:sldId id="349" r:id="rId14"/>
+    <p:sldId id="345" r:id="rId15"/>
+    <p:sldId id="341" r:id="rId16"/>
+    <p:sldId id="346" r:id="rId17"/>
+    <p:sldId id="337" r:id="rId18"/>
+    <p:sldId id="338" r:id="rId19"/>
+    <p:sldId id="339" r:id="rId20"/>
+    <p:sldId id="340" r:id="rId21"/>
   </p:sldIdLst>
   <p:sldSz cx="12192000" cy="6858000"/>
   <p:notesSz cx="6858000" cy="9144000"/>
@@ -238,7 +239,7 @@
           <a:p>
             <a:fld id="{E423CC32-96CD-44F0-8162-1CACD40F9286}" type="datetimeFigureOut">
               <a:rPr lang="en-SG" smtClean="0"/>
-              <a:t>28/6/2019</a:t>
+              <a:t>2/7/2019</a:t>
             </a:fld>
             <a:endParaRPr lang="en-SG"/>
           </a:p>
@@ -2963,11 +2964,7 @@
           <a:p>
             <a:r>
               <a:rPr lang="en-US" dirty="0" smtClean="0"/>
-              <a:t>Github </a:t>
-            </a:r>
-            <a:r>
-              <a:rPr lang="en-US" dirty="0" smtClean="0"/>
-              <a:t>Repository - _config.yml</a:t>
+              <a:t>Github Repository - _config.yml</a:t>
             </a:r>
             <a:endParaRPr lang="en-US" dirty="0"/>
           </a:p>
@@ -2982,7 +2979,7 @@
         <p:spPr>
           <a:xfrm>
             <a:off x="541768" y="1684545"/>
-            <a:ext cx="1979363" cy="738664"/>
+            <a:ext cx="1979363" cy="954107"/>
           </a:xfrm>
           <a:prstGeom prst="rect">
             <a:avLst/>
@@ -3006,7 +3003,7 @@
                   <a:srgbClr val="C00000"/>
                 </a:solidFill>
               </a:rPr>
-              <a:t>_config.yml</a:t>
+              <a:t>_config.yml file contains general </a:t>
             </a:r>
             <a:r>
               <a:rPr lang="en-US" sz="1400" dirty="0" smtClean="0">
@@ -3014,7 +3011,15 @@
                   <a:srgbClr val="C00000"/>
                 </a:solidFill>
               </a:rPr>
-              <a:t> file contains general settings for the website </a:t>
+              <a:t>configuration options /settings </a:t>
+            </a:r>
+            <a:r>
+              <a:rPr lang="en-US" sz="1400" dirty="0" smtClean="0">
+                <a:solidFill>
+                  <a:srgbClr val="C00000"/>
+                </a:solidFill>
+              </a:rPr>
+              <a:t>for the website </a:t>
             </a:r>
             <a:endParaRPr lang="en-US" sz="1400" dirty="0">
               <a:solidFill>
@@ -3036,7 +3041,7 @@
         <p:spPr>
           <a:xfrm flipV="1">
             <a:off x="2521131" y="1941326"/>
-            <a:ext cx="674506" cy="112551"/>
+            <a:ext cx="674506" cy="220273"/>
           </a:xfrm>
           <a:prstGeom prst="straightConnector1">
             <a:avLst/>
@@ -3109,35 +3114,6 @@
           </a:p>
         </p:txBody>
       </p:sp>
-      <p:pic>
-        <p:nvPicPr>
-          <p:cNvPr id="6" name="Picture 5"/>
-          <p:cNvPicPr>
-            <a:picLocks noChangeAspect="1"/>
-          </p:cNvPicPr>
-          <p:nvPr/>
-        </p:nvPicPr>
-        <p:blipFill>
-          <a:blip r:embed="rId3"/>
-          <a:stretch>
-            <a:fillRect/>
-          </a:stretch>
-        </p:blipFill>
-        <p:spPr>
-          <a:xfrm>
-            <a:off x="2951934" y="2787603"/>
-            <a:ext cx="5878557" cy="4015093"/>
-          </a:xfrm>
-          <a:prstGeom prst="rect">
-            <a:avLst/>
-          </a:prstGeom>
-          <a:ln>
-            <a:solidFill>
-              <a:srgbClr val="2A3643"/>
-            </a:solidFill>
-          </a:ln>
-        </p:spPr>
-      </p:pic>
     </p:spTree>
     <p:extLst>
       <p:ext uri="{BB962C8B-B14F-4D97-AF65-F5344CB8AC3E}">
@@ -3177,7 +3153,7 @@
       </p:grpSpPr>
       <p:pic>
         <p:nvPicPr>
-          <p:cNvPr id="3" name="Picture 2"/>
+          <p:cNvPr id="2" name="Picture 1"/>
           <p:cNvPicPr>
             <a:picLocks noChangeAspect="1"/>
           </p:cNvPicPr>
@@ -3191,8 +3167,8 @@
         </p:blipFill>
         <p:spPr>
           <a:xfrm>
-            <a:off x="3195637" y="1294857"/>
-            <a:ext cx="5278561" cy="5563144"/>
+            <a:off x="3195637" y="1471496"/>
+            <a:ext cx="4514850" cy="1190625"/>
           </a:xfrm>
           <a:prstGeom prst="rect">
             <a:avLst/>
@@ -3216,11 +3192,7 @@
           <a:p>
             <a:r>
               <a:rPr lang="en-US" dirty="0" smtClean="0"/>
-              <a:t>Github </a:t>
-            </a:r>
-            <a:r>
-              <a:rPr lang="en-US" dirty="0" smtClean="0"/>
-              <a:t>Repository - _config.yml</a:t>
+              <a:t>Github Repository - _config.yml</a:t>
             </a:r>
             <a:endParaRPr lang="en-US" dirty="0"/>
           </a:p>
@@ -3234,8 +3206,8 @@
         </p:nvSpPr>
         <p:spPr>
           <a:xfrm>
-            <a:off x="646271" y="3360442"/>
-            <a:ext cx="2149180" cy="1384995"/>
+            <a:off x="541768" y="1684545"/>
+            <a:ext cx="1979363" cy="954107"/>
           </a:xfrm>
           <a:prstGeom prst="rect">
             <a:avLst/>
@@ -3259,7 +3231,23 @@
                   <a:srgbClr val="C00000"/>
                 </a:solidFill>
               </a:rPr>
-              <a:t>“collections” section contains the preset names for the main collections in your website (corresponds to the main navigation tabs)</a:t>
+              <a:t>_config.yml file contains general </a:t>
+            </a:r>
+            <a:r>
+              <a:rPr lang="en-US" sz="1400" dirty="0" smtClean="0">
+                <a:solidFill>
+                  <a:srgbClr val="C00000"/>
+                </a:solidFill>
+              </a:rPr>
+              <a:t>configuration options /settings </a:t>
+            </a:r>
+            <a:r>
+              <a:rPr lang="en-US" sz="1400" dirty="0" smtClean="0">
+                <a:solidFill>
+                  <a:srgbClr val="C00000"/>
+                </a:solidFill>
+              </a:rPr>
+              <a:t>for the website </a:t>
             </a:r>
             <a:endParaRPr lang="en-US" sz="1400" dirty="0">
               <a:solidFill>
@@ -3272,13 +3260,16 @@
       <p:cxnSp>
         <p:nvCxnSpPr>
           <p:cNvPr id="19" name="Straight Arrow Connector 18"/>
-          <p:cNvCxnSpPr/>
+          <p:cNvCxnSpPr>
+            <a:stCxn id="18" idx="3"/>
+            <a:endCxn id="24" idx="1"/>
+          </p:cNvCxnSpPr>
           <p:nvPr/>
         </p:nvCxnSpPr>
         <p:spPr>
-          <a:xfrm>
-            <a:off x="2651760" y="3754885"/>
-            <a:ext cx="805134" cy="321544"/>
+          <a:xfrm flipV="1">
+            <a:off x="2521131" y="1941326"/>
+            <a:ext cx="674506" cy="220273"/>
           </a:xfrm>
           <a:prstGeom prst="straightConnector1">
             <a:avLst/>
@@ -3313,8 +3304,8 @@
         </p:nvSpPr>
         <p:spPr>
           <a:xfrm>
-            <a:off x="3456894" y="3082941"/>
-            <a:ext cx="1520055" cy="1998510"/>
+            <a:off x="3195637" y="1815844"/>
+            <a:ext cx="919163" cy="250964"/>
           </a:xfrm>
           <a:prstGeom prst="rect">
             <a:avLst/>
@@ -3354,7 +3345,7 @@
     </p:spTree>
     <p:extLst>
       <p:ext uri="{BB962C8B-B14F-4D97-AF65-F5344CB8AC3E}">
-        <p14:creationId xmlns:p14="http://schemas.microsoft.com/office/powerpoint/2010/main" val="1387150996"/>
+        <p14:creationId xmlns:p14="http://schemas.microsoft.com/office/powerpoint/2010/main" val="1163317394"/>
       </p:ext>
     </p:extLst>
   </p:cSld>
@@ -3390,7 +3381,7 @@
       </p:grpSpPr>
       <p:pic>
         <p:nvPicPr>
-          <p:cNvPr id="8" name="Picture 7"/>
+          <p:cNvPr id="2" name="Picture 1"/>
           <p:cNvPicPr>
             <a:picLocks noChangeAspect="1"/>
           </p:cNvPicPr>
@@ -3404,8 +3395,8 @@
         </p:blipFill>
         <p:spPr>
           <a:xfrm>
-            <a:off x="3311094" y="1684545"/>
-            <a:ext cx="3648075" cy="1266825"/>
+            <a:off x="3195637" y="1471496"/>
+            <a:ext cx="4514850" cy="1190625"/>
           </a:xfrm>
           <a:prstGeom prst="rect">
             <a:avLst/>
@@ -3429,11 +3420,7 @@
           <a:p>
             <a:r>
               <a:rPr lang="en-US" dirty="0" smtClean="0"/>
-              <a:t>Github </a:t>
-            </a:r>
-            <a:r>
-              <a:rPr lang="en-US" dirty="0" smtClean="0"/>
-              <a:t>Repository - _data folder</a:t>
+              <a:t>Github Repository - _config.yml</a:t>
             </a:r>
             <a:endParaRPr lang="en-US" dirty="0"/>
           </a:p>
@@ -3448,7 +3435,7 @@
         <p:spPr>
           <a:xfrm>
             <a:off x="541768" y="1684545"/>
-            <a:ext cx="1874861" cy="1600438"/>
+            <a:ext cx="1979363" cy="954107"/>
           </a:xfrm>
           <a:prstGeom prst="rect">
             <a:avLst/>
@@ -3472,7 +3459,23 @@
                   <a:srgbClr val="C00000"/>
                 </a:solidFill>
               </a:rPr>
-              <a:t>_data folder contains configuration files (with the extension .yaml or .yml) for editing certain sections of the website (e.g. homepage, navigation)</a:t>
+              <a:t>_config.yml file contains general </a:t>
+            </a:r>
+            <a:r>
+              <a:rPr lang="en-US" sz="1400" dirty="0" smtClean="0">
+                <a:solidFill>
+                  <a:srgbClr val="C00000"/>
+                </a:solidFill>
+              </a:rPr>
+              <a:t>configuration options /settings </a:t>
+            </a:r>
+            <a:r>
+              <a:rPr lang="en-US" sz="1400" dirty="0" smtClean="0">
+                <a:solidFill>
+                  <a:srgbClr val="C00000"/>
+                </a:solidFill>
+              </a:rPr>
+              <a:t>for the website </a:t>
             </a:r>
             <a:endParaRPr lang="en-US" sz="1400" dirty="0">
               <a:solidFill>
@@ -3493,8 +3496,8 @@
         </p:nvCxnSpPr>
         <p:spPr>
           <a:xfrm flipV="1">
-            <a:off x="2416629" y="2191150"/>
-            <a:ext cx="779008" cy="293614"/>
+            <a:off x="2521131" y="1941326"/>
+            <a:ext cx="674506" cy="220273"/>
           </a:xfrm>
           <a:prstGeom prst="straightConnector1">
             <a:avLst/>
@@ -3529,7 +3532,7 @@
         </p:nvSpPr>
         <p:spPr>
           <a:xfrm>
-            <a:off x="3195637" y="2065668"/>
+            <a:off x="3195637" y="1815844"/>
             <a:ext cx="919163" cy="250964"/>
           </a:xfrm>
           <a:prstGeom prst="rect">
@@ -3567,10 +3570,182 @@
           </a:p>
         </p:txBody>
       </p:sp>
+      <p:pic>
+        <p:nvPicPr>
+          <p:cNvPr id="8" name="Picture 7"/>
+          <p:cNvPicPr>
+            <a:picLocks noChangeAspect="1"/>
+          </p:cNvPicPr>
+          <p:nvPr/>
+        </p:nvPicPr>
+        <p:blipFill>
+          <a:blip r:embed="rId3"/>
+          <a:stretch>
+            <a:fillRect/>
+          </a:stretch>
+        </p:blipFill>
+        <p:spPr>
+          <a:xfrm>
+            <a:off x="3195637" y="3006469"/>
+            <a:ext cx="4267200" cy="3752850"/>
+          </a:xfrm>
+          <a:prstGeom prst="rect">
+            <a:avLst/>
+          </a:prstGeom>
+          <a:ln>
+            <a:solidFill>
+              <a:srgbClr val="2A3643"/>
+            </a:solidFill>
+          </a:ln>
+        </p:spPr>
+      </p:pic>
+      <p:sp>
+        <p:nvSpPr>
+          <p:cNvPr id="9" name="TextBox 8"/>
+          <p:cNvSpPr txBox="1"/>
+          <p:nvPr/>
+        </p:nvSpPr>
+        <p:spPr>
+          <a:xfrm>
+            <a:off x="541768" y="4209528"/>
+            <a:ext cx="2149180" cy="1384995"/>
+          </a:xfrm>
+          <a:prstGeom prst="rect">
+            <a:avLst/>
+          </a:prstGeom>
+          <a:noFill/>
+          <a:ln w="19050">
+            <a:solidFill>
+              <a:srgbClr val="C00000"/>
+            </a:solidFill>
+          </a:ln>
+        </p:spPr>
+        <p:txBody>
+          <a:bodyPr wrap="square" rtlCol="0">
+            <a:spAutoFit/>
+          </a:bodyPr>
+          <a:lstStyle/>
+          <a:p>
+            <a:r>
+              <a:rPr lang="en-US" sz="1400" dirty="0" smtClean="0">
+                <a:solidFill>
+                  <a:srgbClr val="C00000"/>
+                </a:solidFill>
+              </a:rPr>
+              <a:t>“collections” section contains the preset names for the main </a:t>
+            </a:r>
+            <a:r>
+              <a:rPr lang="en-US" sz="1400" dirty="0" smtClean="0">
+                <a:solidFill>
+                  <a:srgbClr val="C00000"/>
+                </a:solidFill>
+              </a:rPr>
+              <a:t>collection groups </a:t>
+            </a:r>
+            <a:r>
+              <a:rPr lang="en-US" sz="1400" dirty="0" smtClean="0">
+                <a:solidFill>
+                  <a:srgbClr val="C00000"/>
+                </a:solidFill>
+              </a:rPr>
+              <a:t>in your website (corresponds to the main navigation tabs)</a:t>
+            </a:r>
+            <a:endParaRPr lang="en-US" sz="1400" dirty="0">
+              <a:solidFill>
+                <a:srgbClr val="C00000"/>
+              </a:solidFill>
+            </a:endParaRPr>
+          </a:p>
+        </p:txBody>
+      </p:sp>
+      <p:cxnSp>
+        <p:nvCxnSpPr>
+          <p:cNvPr id="10" name="Straight Arrow Connector 9"/>
+          <p:cNvCxnSpPr>
+            <a:stCxn id="9" idx="3"/>
+          </p:cNvCxnSpPr>
+          <p:nvPr/>
+        </p:nvCxnSpPr>
+        <p:spPr>
+          <a:xfrm>
+            <a:off x="2690948" y="4902026"/>
+            <a:ext cx="661443" cy="23489"/>
+          </a:xfrm>
+          <a:prstGeom prst="straightConnector1">
+            <a:avLst/>
+          </a:prstGeom>
+          <a:ln>
+            <a:solidFill>
+              <a:srgbClr val="C00000"/>
+            </a:solidFill>
+            <a:tailEnd type="triangle"/>
+          </a:ln>
+        </p:spPr>
+        <p:style>
+          <a:lnRef idx="1">
+            <a:schemeClr val="accent1"/>
+          </a:lnRef>
+          <a:fillRef idx="0">
+            <a:schemeClr val="accent1"/>
+          </a:fillRef>
+          <a:effectRef idx="0">
+            <a:schemeClr val="accent1"/>
+          </a:effectRef>
+          <a:fontRef idx="minor">
+            <a:schemeClr val="tx1"/>
+          </a:fontRef>
+        </p:style>
+      </p:cxnSp>
+      <p:sp>
+        <p:nvSpPr>
+          <p:cNvPr id="11" name="Rectangle 10"/>
+          <p:cNvSpPr/>
+          <p:nvPr/>
+        </p:nvSpPr>
+        <p:spPr>
+          <a:xfrm>
+            <a:off x="3352391" y="3932027"/>
+            <a:ext cx="1520055" cy="1998510"/>
+          </a:xfrm>
+          <a:prstGeom prst="rect">
+            <a:avLst/>
+          </a:prstGeom>
+          <a:noFill/>
+          <a:ln w="28575">
+            <a:solidFill>
+              <a:srgbClr val="C00000"/>
+            </a:solidFill>
+          </a:ln>
+        </p:spPr>
+        <p:style>
+          <a:lnRef idx="2">
+            <a:schemeClr val="accent1">
+              <a:shade val="50000"/>
+            </a:schemeClr>
+          </a:lnRef>
+          <a:fillRef idx="1">
+            <a:schemeClr val="accent1"/>
+          </a:fillRef>
+          <a:effectRef idx="0">
+            <a:schemeClr val="accent1"/>
+          </a:effectRef>
+          <a:fontRef idx="minor">
+            <a:schemeClr val="lt1"/>
+          </a:fontRef>
+        </p:style>
+        <p:txBody>
+          <a:bodyPr rtlCol="0" anchor="ctr"/>
+          <a:lstStyle/>
+          <a:p>
+            <a:pPr algn="ctr"/>
+            <a:endParaRPr lang="en-US"/>
+          </a:p>
+        </p:txBody>
+      </p:sp>
     </p:spTree>
     <p:extLst>
       <p:ext uri="{BB962C8B-B14F-4D97-AF65-F5344CB8AC3E}">
-        <p14:creationId xmlns:p14="http://schemas.microsoft.com/office/powerpoint/2010/main" val="1019384947"/>
+        <p14:creationId xmlns:p14="http://schemas.microsoft.com/office/powerpoint/2010/main" val="816159429"/>
       </p:ext>
     </p:extLst>
   </p:cSld>
@@ -3645,11 +3820,7 @@
           <a:p>
             <a:r>
               <a:rPr lang="en-US" dirty="0" smtClean="0"/>
-              <a:t>Github </a:t>
-            </a:r>
-            <a:r>
-              <a:rPr lang="en-US" dirty="0"/>
-              <a:t>Repository - _data folder</a:t>
+              <a:t>Github Repository - _data folder</a:t>
             </a:r>
             <a:endParaRPr lang="en-US" dirty="0"/>
           </a:p>
@@ -3783,75 +3954,10 @@
           </a:p>
         </p:txBody>
       </p:sp>
-      <p:pic>
-        <p:nvPicPr>
-          <p:cNvPr id="7" name="Picture 6"/>
-          <p:cNvPicPr>
-            <a:picLocks noChangeAspect="1"/>
-          </p:cNvPicPr>
-          <p:nvPr/>
-        </p:nvPicPr>
-        <p:blipFill>
-          <a:blip r:embed="rId3"/>
-          <a:stretch>
-            <a:fillRect/>
-          </a:stretch>
-        </p:blipFill>
-        <p:spPr>
-          <a:xfrm>
-            <a:off x="3195637" y="3677230"/>
-            <a:ext cx="6419850" cy="2724150"/>
-          </a:xfrm>
-          <a:prstGeom prst="rect">
-            <a:avLst/>
-          </a:prstGeom>
-        </p:spPr>
-      </p:pic>
-      <p:sp>
-        <p:nvSpPr>
-          <p:cNvPr id="9" name="TextBox 8"/>
-          <p:cNvSpPr txBox="1"/>
-          <p:nvPr/>
-        </p:nvSpPr>
-        <p:spPr>
-          <a:xfrm>
-            <a:off x="809685" y="4555327"/>
-            <a:ext cx="2038018" cy="1384995"/>
-          </a:xfrm>
-          <a:prstGeom prst="rect">
-            <a:avLst/>
-          </a:prstGeom>
-          <a:noFill/>
-          <a:ln w="19050">
-            <a:noFill/>
-          </a:ln>
-        </p:spPr>
-        <p:txBody>
-          <a:bodyPr wrap="square" rtlCol="0">
-            <a:spAutoFit/>
-          </a:bodyPr>
-          <a:lstStyle/>
-          <a:p>
-            <a:r>
-              <a:rPr lang="en-US" sz="1400" dirty="0" smtClean="0">
-                <a:solidFill>
-                  <a:srgbClr val="C00000"/>
-                </a:solidFill>
-              </a:rPr>
-              <a:t>Clicking on the _data folder will bring you to all the configuration files used for the SAC website (e.g. homepage.yml, navigation.yml)</a:t>
-            </a:r>
-            <a:endParaRPr lang="en-US" sz="1400" dirty="0">
-              <a:solidFill>
-                <a:srgbClr val="C00000"/>
-              </a:solidFill>
-            </a:endParaRPr>
-          </a:p>
-        </p:txBody>
-      </p:sp>
     </p:spTree>
     <p:extLst>
       <p:ext uri="{BB962C8B-B14F-4D97-AF65-F5344CB8AC3E}">
-        <p14:creationId xmlns:p14="http://schemas.microsoft.com/office/powerpoint/2010/main" val="1248339594"/>
+        <p14:creationId xmlns:p14="http://schemas.microsoft.com/office/powerpoint/2010/main" val="1019384947"/>
       </p:ext>
     </p:extLst>
   </p:cSld>
@@ -3885,6 +3991,30 @@
           <a:chExt cx="0" cy="0"/>
         </a:xfrm>
       </p:grpSpPr>
+      <p:pic>
+        <p:nvPicPr>
+          <p:cNvPr id="8" name="Picture 7"/>
+          <p:cNvPicPr>
+            <a:picLocks noChangeAspect="1"/>
+          </p:cNvPicPr>
+          <p:nvPr/>
+        </p:nvPicPr>
+        <p:blipFill>
+          <a:blip r:embed="rId2"/>
+          <a:stretch>
+            <a:fillRect/>
+          </a:stretch>
+        </p:blipFill>
+        <p:spPr>
+          <a:xfrm>
+            <a:off x="3311094" y="1684545"/>
+            <a:ext cx="3648075" cy="1266825"/>
+          </a:xfrm>
+          <a:prstGeom prst="rect">
+            <a:avLst/>
+          </a:prstGeom>
+        </p:spPr>
+      </p:pic>
       <p:sp>
         <p:nvSpPr>
           <p:cNvPr id="4" name="Title 3"/>
@@ -3902,57 +4032,34 @@
           <a:p>
             <a:r>
               <a:rPr lang="en-US" dirty="0" smtClean="0"/>
-              <a:t>Github Repository – Navigation Banner </a:t>
-            </a:r>
-            <a:r>
-              <a:rPr lang="en-US" dirty="0" smtClean="0"/>
-              <a:t>Tabs</a:t>
-            </a:r>
-            <a:endParaRPr lang="en-US" dirty="0"/>
-          </a:p>
-        </p:txBody>
-      </p:sp>
-      <p:pic>
-        <p:nvPicPr>
-          <p:cNvPr id="6" name="Picture 5"/>
-          <p:cNvPicPr>
-            <a:picLocks noChangeAspect="1"/>
-          </p:cNvPicPr>
-          <p:nvPr/>
-        </p:nvPicPr>
-        <p:blipFill>
-          <a:blip r:embed="rId2"/>
-          <a:stretch>
-            <a:fillRect/>
-          </a:stretch>
-        </p:blipFill>
-        <p:spPr>
-          <a:xfrm>
-            <a:off x="4218486" y="1569793"/>
-            <a:ext cx="5609109" cy="5151392"/>
-          </a:xfrm>
-          <a:prstGeom prst="rect">
-            <a:avLst/>
-          </a:prstGeom>
-        </p:spPr>
-      </p:pic>
-      <p:sp>
-        <p:nvSpPr>
-          <p:cNvPr id="7" name="TextBox 6"/>
+              <a:t>Github </a:t>
+            </a:r>
+            <a:r>
+              <a:rPr lang="en-US" dirty="0"/>
+              <a:t>Repository - _data folder</a:t>
+            </a:r>
+          </a:p>
+        </p:txBody>
+      </p:sp>
+      <p:sp>
+        <p:nvSpPr>
+          <p:cNvPr id="18" name="TextBox 17"/>
           <p:cNvSpPr txBox="1"/>
           <p:nvPr/>
         </p:nvSpPr>
         <p:spPr>
           <a:xfrm>
-            <a:off x="791599" y="1728715"/>
-            <a:ext cx="2996630" cy="1169551"/>
+            <a:off x="541768" y="1684545"/>
+            <a:ext cx="2005489" cy="1600438"/>
           </a:xfrm>
           <a:prstGeom prst="rect">
             <a:avLst/>
           </a:prstGeom>
           <a:noFill/>
           <a:ln w="19050">
-            <a:noFill/>
+            <a:solidFill>
+              <a:srgbClr val="C00000"/>
+            </a:solidFill>
           </a:ln>
         </p:spPr>
         <p:txBody>
@@ -3967,7 +4074,7 @@
                   <a:srgbClr val="C00000"/>
                 </a:solidFill>
               </a:rPr>
-              <a:t>The titles and links for all the </a:t>
+              <a:t>_data folder contains configuration files (with the extension .yaml or .yml) for </a:t>
             </a:r>
             <a:r>
               <a:rPr lang="en-US" sz="1400" dirty="0" smtClean="0">
@@ -3975,7 +4082,7 @@
                   <a:srgbClr val="C00000"/>
                 </a:solidFill>
               </a:rPr>
-              <a:t>tabs in the main navigation bar and their sub-pages are </a:t>
+              <a:t>editing specific sections </a:t>
             </a:r>
             <a:r>
               <a:rPr lang="en-US" sz="1400" dirty="0" smtClean="0">
@@ -3983,7 +4090,7 @@
                   <a:srgbClr val="C00000"/>
                 </a:solidFill>
               </a:rPr>
-              <a:t>contained inside the ‘navigation.yml’ file inside the ‘_data’folder</a:t>
+              <a:t>of the website (e.g. homepage, navigation)</a:t>
             </a:r>
             <a:endParaRPr lang="en-US" sz="1400" dirty="0">
               <a:solidFill>
@@ -3993,10 +4100,165 @@
           </a:p>
         </p:txBody>
       </p:sp>
+      <p:cxnSp>
+        <p:nvCxnSpPr>
+          <p:cNvPr id="19" name="Straight Arrow Connector 18"/>
+          <p:cNvCxnSpPr>
+            <a:stCxn id="18" idx="3"/>
+            <a:endCxn id="24" idx="1"/>
+          </p:cNvCxnSpPr>
+          <p:nvPr/>
+        </p:nvCxnSpPr>
+        <p:spPr>
+          <a:xfrm flipV="1">
+            <a:off x="2547257" y="2191150"/>
+            <a:ext cx="648380" cy="293614"/>
+          </a:xfrm>
+          <a:prstGeom prst="straightConnector1">
+            <a:avLst/>
+          </a:prstGeom>
+          <a:ln>
+            <a:solidFill>
+              <a:srgbClr val="C00000"/>
+            </a:solidFill>
+            <a:tailEnd type="triangle"/>
+          </a:ln>
+        </p:spPr>
+        <p:style>
+          <a:lnRef idx="1">
+            <a:schemeClr val="accent1"/>
+          </a:lnRef>
+          <a:fillRef idx="0">
+            <a:schemeClr val="accent1"/>
+          </a:fillRef>
+          <a:effectRef idx="0">
+            <a:schemeClr val="accent1"/>
+          </a:effectRef>
+          <a:fontRef idx="minor">
+            <a:schemeClr val="tx1"/>
+          </a:fontRef>
+        </p:style>
+      </p:cxnSp>
+      <p:sp>
+        <p:nvSpPr>
+          <p:cNvPr id="24" name="Rectangle 23"/>
+          <p:cNvSpPr/>
+          <p:nvPr/>
+        </p:nvSpPr>
+        <p:spPr>
+          <a:xfrm>
+            <a:off x="3195637" y="2065668"/>
+            <a:ext cx="919163" cy="250964"/>
+          </a:xfrm>
+          <a:prstGeom prst="rect">
+            <a:avLst/>
+          </a:prstGeom>
+          <a:noFill/>
+          <a:ln w="28575">
+            <a:solidFill>
+              <a:srgbClr val="C00000"/>
+            </a:solidFill>
+          </a:ln>
+        </p:spPr>
+        <p:style>
+          <a:lnRef idx="2">
+            <a:schemeClr val="accent1">
+              <a:shade val="50000"/>
+            </a:schemeClr>
+          </a:lnRef>
+          <a:fillRef idx="1">
+            <a:schemeClr val="accent1"/>
+          </a:fillRef>
+          <a:effectRef idx="0">
+            <a:schemeClr val="accent1"/>
+          </a:effectRef>
+          <a:fontRef idx="minor">
+            <a:schemeClr val="lt1"/>
+          </a:fontRef>
+        </p:style>
+        <p:txBody>
+          <a:bodyPr rtlCol="0" anchor="ctr"/>
+          <a:lstStyle/>
+          <a:p>
+            <a:pPr algn="ctr"/>
+            <a:endParaRPr lang="en-US"/>
+          </a:p>
+        </p:txBody>
+      </p:sp>
+      <p:pic>
+        <p:nvPicPr>
+          <p:cNvPr id="7" name="Picture 6"/>
+          <p:cNvPicPr>
+            <a:picLocks noChangeAspect="1"/>
+          </p:cNvPicPr>
+          <p:nvPr/>
+        </p:nvPicPr>
+        <p:blipFill>
+          <a:blip r:embed="rId3"/>
+          <a:stretch>
+            <a:fillRect/>
+          </a:stretch>
+        </p:blipFill>
+        <p:spPr>
+          <a:xfrm>
+            <a:off x="3195637" y="3677229"/>
+            <a:ext cx="7095742" cy="3010953"/>
+          </a:xfrm>
+          <a:prstGeom prst="rect">
+            <a:avLst/>
+          </a:prstGeom>
+          <a:ln>
+            <a:solidFill>
+              <a:srgbClr val="2A3643"/>
+            </a:solidFill>
+          </a:ln>
+        </p:spPr>
+      </p:pic>
+      <p:sp>
+        <p:nvSpPr>
+          <p:cNvPr id="9" name="TextBox 8"/>
+          <p:cNvSpPr txBox="1"/>
+          <p:nvPr/>
+        </p:nvSpPr>
+        <p:spPr>
+          <a:xfrm>
+            <a:off x="809685" y="4555327"/>
+            <a:ext cx="2038018" cy="1384995"/>
+          </a:xfrm>
+          <a:prstGeom prst="rect">
+            <a:avLst/>
+          </a:prstGeom>
+          <a:noFill/>
+          <a:ln w="19050">
+            <a:noFill/>
+          </a:ln>
+        </p:spPr>
+        <p:txBody>
+          <a:bodyPr wrap="square" rtlCol="0">
+            <a:spAutoFit/>
+          </a:bodyPr>
+          <a:lstStyle/>
+          <a:p>
+            <a:r>
+              <a:rPr lang="en-US" sz="1400" dirty="0" smtClean="0">
+                <a:solidFill>
+                  <a:srgbClr val="C00000"/>
+                </a:solidFill>
+              </a:rPr>
+              <a:t>Clicking on the _data folder will bring you to all the configuration files used for the SAC website (e.g. homepage.yml, navigation.yml)</a:t>
+            </a:r>
+            <a:endParaRPr lang="en-US" sz="1400" dirty="0">
+              <a:solidFill>
+                <a:srgbClr val="C00000"/>
+              </a:solidFill>
+            </a:endParaRPr>
+          </a:p>
+        </p:txBody>
+      </p:sp>
     </p:spTree>
     <p:extLst>
       <p:ext uri="{BB962C8B-B14F-4D97-AF65-F5344CB8AC3E}">
-        <p14:creationId xmlns:p14="http://schemas.microsoft.com/office/powerpoint/2010/main" val="416760414"/>
+        <p14:creationId xmlns:p14="http://schemas.microsoft.com/office/powerpoint/2010/main" val="1248339594"/>
       </p:ext>
     </p:extLst>
   </p:cSld>
@@ -4047,7 +4309,11 @@
           <a:p>
             <a:r>
               <a:rPr lang="en-US" dirty="0" smtClean="0"/>
-              <a:t>Github Repository – Navigation Banner </a:t>
+              <a:t>Github Repository – Navigation </a:t>
+            </a:r>
+            <a:r>
+              <a:rPr lang="en-US" dirty="0" smtClean="0"/>
+              <a:t>Bar </a:t>
             </a:r>
             <a:r>
               <a:rPr lang="en-US" dirty="0" smtClean="0"/>
@@ -4083,23 +4349,21 @@
       </p:pic>
       <p:sp>
         <p:nvSpPr>
-          <p:cNvPr id="8" name="TextBox 7"/>
+          <p:cNvPr id="7" name="TextBox 6"/>
           <p:cNvSpPr txBox="1"/>
           <p:nvPr/>
         </p:nvSpPr>
         <p:spPr>
           <a:xfrm>
-            <a:off x="791599" y="3271478"/>
-            <a:ext cx="2630870" cy="523220"/>
+            <a:off x="791599" y="1728715"/>
+            <a:ext cx="2996630" cy="1169551"/>
           </a:xfrm>
           <a:prstGeom prst="rect">
             <a:avLst/>
           </a:prstGeom>
           <a:noFill/>
           <a:ln w="19050">
-            <a:solidFill>
-              <a:srgbClr val="C00000"/>
-            </a:solidFill>
+            <a:noFill/>
           </a:ln>
         </p:spPr>
         <p:txBody>
@@ -4114,7 +4378,7 @@
                   <a:srgbClr val="C00000"/>
                 </a:solidFill>
               </a:rPr>
-              <a:t>Title and url of a main banner </a:t>
+              <a:t>The titles and links for all the tabs in the main navigation bar and their </a:t>
             </a:r>
             <a:r>
               <a:rPr lang="en-US" sz="1400" dirty="0" smtClean="0">
@@ -4122,7 +4386,7 @@
                   <a:srgbClr val="C00000"/>
                 </a:solidFill>
               </a:rPr>
-              <a:t>navigation tab (e.g</a:t>
+              <a:t>sub-link pages </a:t>
             </a:r>
             <a:r>
               <a:rPr lang="en-US" sz="1400" dirty="0" smtClean="0">
@@ -4130,7 +4394,7 @@
                   <a:srgbClr val="C00000"/>
                 </a:solidFill>
               </a:rPr>
-              <a:t>. ‘About’)</a:t>
+              <a:t>are contained inside the ‘navigation.yml’ file inside the ‘_data’folder</a:t>
             </a:r>
             <a:endParaRPr lang="en-US" sz="1400" dirty="0">
               <a:solidFill>
@@ -4140,430 +4404,10 @@
           </a:p>
         </p:txBody>
       </p:sp>
-      <p:cxnSp>
-        <p:nvCxnSpPr>
-          <p:cNvPr id="10" name="Straight Arrow Connector 9"/>
-          <p:cNvCxnSpPr>
-            <a:stCxn id="8" idx="3"/>
-            <a:endCxn id="24" idx="1"/>
-          </p:cNvCxnSpPr>
-          <p:nvPr/>
-        </p:nvCxnSpPr>
-        <p:spPr>
-          <a:xfrm flipV="1">
-            <a:off x="3422469" y="3317286"/>
-            <a:ext cx="1170419" cy="215802"/>
-          </a:xfrm>
-          <a:prstGeom prst="straightConnector1">
-            <a:avLst/>
-          </a:prstGeom>
-          <a:ln>
-            <a:solidFill>
-              <a:srgbClr val="C00000"/>
-            </a:solidFill>
-            <a:tailEnd type="triangle"/>
-          </a:ln>
-        </p:spPr>
-        <p:style>
-          <a:lnRef idx="1">
-            <a:schemeClr val="accent1"/>
-          </a:lnRef>
-          <a:fillRef idx="0">
-            <a:schemeClr val="accent1"/>
-          </a:fillRef>
-          <a:effectRef idx="0">
-            <a:schemeClr val="accent1"/>
-          </a:effectRef>
-          <a:fontRef idx="minor">
-            <a:schemeClr val="tx1"/>
-          </a:fontRef>
-        </p:style>
-      </p:cxnSp>
-      <p:sp>
-        <p:nvSpPr>
-          <p:cNvPr id="18" name="TextBox 17"/>
-          <p:cNvSpPr txBox="1"/>
-          <p:nvPr/>
-        </p:nvSpPr>
-        <p:spPr>
-          <a:xfrm>
-            <a:off x="791599" y="4582552"/>
-            <a:ext cx="2630870" cy="523220"/>
-          </a:xfrm>
-          <a:prstGeom prst="rect">
-            <a:avLst/>
-          </a:prstGeom>
-          <a:noFill/>
-          <a:ln w="19050">
-            <a:solidFill>
-              <a:srgbClr val="C00000"/>
-            </a:solidFill>
-          </a:ln>
-        </p:spPr>
-        <p:txBody>
-          <a:bodyPr wrap="square" rtlCol="0">
-            <a:spAutoFit/>
-          </a:bodyPr>
-          <a:lstStyle/>
-          <a:p>
-            <a:r>
-              <a:rPr lang="en-US" sz="1400" dirty="0" smtClean="0">
-                <a:solidFill>
-                  <a:srgbClr val="C00000"/>
-                </a:solidFill>
-              </a:rPr>
-              <a:t>Title and url of a sub-link under the </a:t>
-            </a:r>
-            <a:r>
-              <a:rPr lang="en-US" sz="1400" dirty="0" smtClean="0">
-                <a:solidFill>
-                  <a:srgbClr val="C00000"/>
-                </a:solidFill>
-              </a:rPr>
-              <a:t>‘about</a:t>
-            </a:r>
-            <a:r>
-              <a:rPr lang="en-US" sz="1400" dirty="0" smtClean="0">
-                <a:solidFill>
-                  <a:srgbClr val="C00000"/>
-                </a:solidFill>
-              </a:rPr>
-              <a:t>’ navigation </a:t>
-            </a:r>
-            <a:r>
-              <a:rPr lang="en-US" sz="1400" dirty="0" smtClean="0">
-                <a:solidFill>
-                  <a:srgbClr val="C00000"/>
-                </a:solidFill>
-              </a:rPr>
-              <a:t>tab</a:t>
-            </a:r>
-            <a:endParaRPr lang="en-US" sz="1400" dirty="0">
-              <a:solidFill>
-                <a:srgbClr val="C00000"/>
-              </a:solidFill>
-            </a:endParaRPr>
-          </a:p>
-        </p:txBody>
-      </p:sp>
-      <p:cxnSp>
-        <p:nvCxnSpPr>
-          <p:cNvPr id="20" name="Straight Arrow Connector 19"/>
-          <p:cNvCxnSpPr>
-            <a:stCxn id="18" idx="3"/>
-            <a:endCxn id="25" idx="1"/>
-          </p:cNvCxnSpPr>
-          <p:nvPr/>
-        </p:nvCxnSpPr>
-        <p:spPr>
-          <a:xfrm flipV="1">
-            <a:off x="3422469" y="4519307"/>
-            <a:ext cx="1237771" cy="324855"/>
-          </a:xfrm>
-          <a:prstGeom prst="straightConnector1">
-            <a:avLst/>
-          </a:prstGeom>
-          <a:ln>
-            <a:solidFill>
-              <a:srgbClr val="C00000"/>
-            </a:solidFill>
-            <a:tailEnd type="triangle"/>
-          </a:ln>
-        </p:spPr>
-        <p:style>
-          <a:lnRef idx="1">
-            <a:schemeClr val="accent1"/>
-          </a:lnRef>
-          <a:fillRef idx="0">
-            <a:schemeClr val="accent1"/>
-          </a:fillRef>
-          <a:effectRef idx="0">
-            <a:schemeClr val="accent1"/>
-          </a:effectRef>
-          <a:fontRef idx="minor">
-            <a:schemeClr val="tx1"/>
-          </a:fontRef>
-        </p:style>
-      </p:cxnSp>
-      <p:sp>
-        <p:nvSpPr>
-          <p:cNvPr id="24" name="Rectangle 23"/>
-          <p:cNvSpPr/>
-          <p:nvPr/>
-        </p:nvSpPr>
-        <p:spPr>
-          <a:xfrm>
-            <a:off x="4592888" y="3186481"/>
-            <a:ext cx="823834" cy="261610"/>
-          </a:xfrm>
-          <a:prstGeom prst="rect">
-            <a:avLst/>
-          </a:prstGeom>
-          <a:noFill/>
-          <a:ln w="28575">
-            <a:solidFill>
-              <a:srgbClr val="C00000"/>
-            </a:solidFill>
-          </a:ln>
-        </p:spPr>
-        <p:style>
-          <a:lnRef idx="2">
-            <a:schemeClr val="accent1">
-              <a:shade val="50000"/>
-            </a:schemeClr>
-          </a:lnRef>
-          <a:fillRef idx="1">
-            <a:schemeClr val="accent1"/>
-          </a:fillRef>
-          <a:effectRef idx="0">
-            <a:schemeClr val="accent1"/>
-          </a:effectRef>
-          <a:fontRef idx="minor">
-            <a:schemeClr val="lt1"/>
-          </a:fontRef>
-        </p:style>
-        <p:txBody>
-          <a:bodyPr rtlCol="0" anchor="ctr"/>
-          <a:lstStyle/>
-          <a:p>
-            <a:pPr algn="ctr"/>
-            <a:endParaRPr lang="en-US"/>
-          </a:p>
-        </p:txBody>
-      </p:sp>
-      <p:sp>
-        <p:nvSpPr>
-          <p:cNvPr id="25" name="Rectangle 24"/>
-          <p:cNvSpPr/>
-          <p:nvPr/>
-        </p:nvSpPr>
-        <p:spPr>
-          <a:xfrm>
-            <a:off x="4660240" y="4375173"/>
-            <a:ext cx="1714433" cy="288268"/>
-          </a:xfrm>
-          <a:prstGeom prst="rect">
-            <a:avLst/>
-          </a:prstGeom>
-          <a:noFill/>
-          <a:ln w="28575">
-            <a:solidFill>
-              <a:srgbClr val="C00000"/>
-            </a:solidFill>
-          </a:ln>
-        </p:spPr>
-        <p:style>
-          <a:lnRef idx="2">
-            <a:schemeClr val="accent1">
-              <a:shade val="50000"/>
-            </a:schemeClr>
-          </a:lnRef>
-          <a:fillRef idx="1">
-            <a:schemeClr val="accent1"/>
-          </a:fillRef>
-          <a:effectRef idx="0">
-            <a:schemeClr val="accent1"/>
-          </a:effectRef>
-          <a:fontRef idx="minor">
-            <a:schemeClr val="lt1"/>
-          </a:fontRef>
-        </p:style>
-        <p:txBody>
-          <a:bodyPr rtlCol="0" anchor="ctr"/>
-          <a:lstStyle/>
-          <a:p>
-            <a:pPr algn="ctr"/>
-            <a:endParaRPr lang="en-US"/>
-          </a:p>
-        </p:txBody>
-      </p:sp>
-      <p:sp>
-        <p:nvSpPr>
-          <p:cNvPr id="29" name="Rectangle 28"/>
-          <p:cNvSpPr/>
-          <p:nvPr/>
-        </p:nvSpPr>
-        <p:spPr>
-          <a:xfrm>
-            <a:off x="4610539" y="5900245"/>
-            <a:ext cx="823834" cy="261610"/>
-          </a:xfrm>
-          <a:prstGeom prst="rect">
-            <a:avLst/>
-          </a:prstGeom>
-          <a:noFill/>
-          <a:ln w="28575">
-            <a:solidFill>
-              <a:srgbClr val="C00000"/>
-            </a:solidFill>
-          </a:ln>
-        </p:spPr>
-        <p:style>
-          <a:lnRef idx="2">
-            <a:schemeClr val="accent1">
-              <a:shade val="50000"/>
-            </a:schemeClr>
-          </a:lnRef>
-          <a:fillRef idx="1">
-            <a:schemeClr val="accent1"/>
-          </a:fillRef>
-          <a:effectRef idx="0">
-            <a:schemeClr val="accent1"/>
-          </a:effectRef>
-          <a:fontRef idx="minor">
-            <a:schemeClr val="lt1"/>
-          </a:fontRef>
-        </p:style>
-        <p:txBody>
-          <a:bodyPr rtlCol="0" anchor="ctr"/>
-          <a:lstStyle/>
-          <a:p>
-            <a:pPr algn="ctr"/>
-            <a:endParaRPr lang="en-US"/>
-          </a:p>
-        </p:txBody>
-      </p:sp>
-      <p:cxnSp>
-        <p:nvCxnSpPr>
-          <p:cNvPr id="32" name="Straight Arrow Connector 31"/>
-          <p:cNvCxnSpPr>
-            <a:stCxn id="8" idx="3"/>
-            <a:endCxn id="29" idx="1"/>
-          </p:cNvCxnSpPr>
-          <p:nvPr/>
-        </p:nvCxnSpPr>
-        <p:spPr>
-          <a:xfrm>
-            <a:off x="3422469" y="3533088"/>
-            <a:ext cx="1188070" cy="2497962"/>
-          </a:xfrm>
-          <a:prstGeom prst="straightConnector1">
-            <a:avLst/>
-          </a:prstGeom>
-          <a:ln>
-            <a:solidFill>
-              <a:srgbClr val="C00000"/>
-            </a:solidFill>
-            <a:tailEnd type="triangle"/>
-          </a:ln>
-        </p:spPr>
-        <p:style>
-          <a:lnRef idx="1">
-            <a:schemeClr val="accent1"/>
-          </a:lnRef>
-          <a:fillRef idx="0">
-            <a:schemeClr val="accent1"/>
-          </a:fillRef>
-          <a:effectRef idx="0">
-            <a:schemeClr val="accent1"/>
-          </a:effectRef>
-          <a:fontRef idx="minor">
-            <a:schemeClr val="tx1"/>
-          </a:fontRef>
-        </p:style>
-      </p:cxnSp>
-      <p:sp>
-        <p:nvSpPr>
-          <p:cNvPr id="13" name="TextBox 12"/>
-          <p:cNvSpPr txBox="1"/>
-          <p:nvPr/>
-        </p:nvSpPr>
-        <p:spPr>
-          <a:xfrm>
-            <a:off x="10011409" y="3271478"/>
-            <a:ext cx="1980294" cy="1754326"/>
-          </a:xfrm>
-          <a:prstGeom prst="rect">
-            <a:avLst/>
-          </a:prstGeom>
-          <a:noFill/>
-          <a:ln w="19050">
-            <a:noFill/>
-          </a:ln>
-        </p:spPr>
-        <p:txBody>
-          <a:bodyPr wrap="square" rtlCol="0">
-            <a:spAutoFit/>
-          </a:bodyPr>
-          <a:lstStyle/>
-          <a:p>
-            <a:r>
-              <a:rPr lang="en-US" dirty="0" smtClean="0">
-                <a:solidFill>
-                  <a:srgbClr val="C00000"/>
-                </a:solidFill>
-              </a:rPr>
-              <a:t>The spacing in the navigation.yml file must be correct, otherwise the website may break. </a:t>
-            </a:r>
-            <a:endParaRPr lang="en-US" dirty="0">
-              <a:solidFill>
-                <a:srgbClr val="C00000"/>
-              </a:solidFill>
-            </a:endParaRPr>
-          </a:p>
-        </p:txBody>
-      </p:sp>
-      <p:sp>
-        <p:nvSpPr>
-          <p:cNvPr id="15" name="TextBox 14"/>
-          <p:cNvSpPr txBox="1"/>
-          <p:nvPr/>
-        </p:nvSpPr>
-        <p:spPr>
-          <a:xfrm>
-            <a:off x="791599" y="1728715"/>
-            <a:ext cx="2996630" cy="1169551"/>
-          </a:xfrm>
-          <a:prstGeom prst="rect">
-            <a:avLst/>
-          </a:prstGeom>
-          <a:noFill/>
-          <a:ln w="19050">
-            <a:noFill/>
-          </a:ln>
-        </p:spPr>
-        <p:txBody>
-          <a:bodyPr wrap="square" rtlCol="0">
-            <a:spAutoFit/>
-          </a:bodyPr>
-          <a:lstStyle/>
-          <a:p>
-            <a:r>
-              <a:rPr lang="en-US" sz="1400" dirty="0" smtClean="0">
-                <a:solidFill>
-                  <a:srgbClr val="C00000"/>
-                </a:solidFill>
-              </a:rPr>
-              <a:t>The titles and links for all the </a:t>
-            </a:r>
-            <a:r>
-              <a:rPr lang="en-US" sz="1400" dirty="0" smtClean="0">
-                <a:solidFill>
-                  <a:srgbClr val="C00000"/>
-                </a:solidFill>
-              </a:rPr>
-              <a:t>tabs in the main navigation bar and their sub-pages are </a:t>
-            </a:r>
-            <a:r>
-              <a:rPr lang="en-US" sz="1400" dirty="0" smtClean="0">
-                <a:solidFill>
-                  <a:srgbClr val="C00000"/>
-                </a:solidFill>
-              </a:rPr>
-              <a:t>contained inside the ‘navigation.yml’ file inside the ‘_data’folder</a:t>
-            </a:r>
-            <a:endParaRPr lang="en-US" sz="1400" dirty="0">
-              <a:solidFill>
-                <a:srgbClr val="C00000"/>
-              </a:solidFill>
-            </a:endParaRPr>
-          </a:p>
-        </p:txBody>
-      </p:sp>
     </p:spTree>
     <p:extLst>
       <p:ext uri="{BB962C8B-B14F-4D97-AF65-F5344CB8AC3E}">
-        <p14:creationId xmlns:p14="http://schemas.microsoft.com/office/powerpoint/2010/main" val="4150702265"/>
+        <p14:creationId xmlns:p14="http://schemas.microsoft.com/office/powerpoint/2010/main" val="416760414"/>
       </p:ext>
     </p:extLst>
   </p:cSld>
@@ -4597,89 +4441,30 @@
           <a:chExt cx="0" cy="0"/>
         </a:xfrm>
       </p:grpSpPr>
-      <p:sp>
-        <p:nvSpPr>
-          <p:cNvPr id="2" name="Content Placeholder 1"/>
-          <p:cNvSpPr>
-            <a:spLocks noGrp="1"/>
-          </p:cNvSpPr>
-          <p:nvPr>
-            <p:ph sz="half" idx="1"/>
-          </p:nvPr>
-        </p:nvSpPr>
-        <p:spPr>
-          <a:xfrm>
-            <a:off x="541333" y="1641679"/>
-            <a:ext cx="10836415" cy="4507421"/>
-          </a:xfrm>
-        </p:spPr>
-        <p:txBody>
-          <a:bodyPr/>
-          <a:lstStyle/>
-          <a:p>
-            <a:pPr marL="0" indent="0">
-              <a:buNone/>
-            </a:pPr>
-            <a:r>
-              <a:rPr lang="en-US" dirty="0" smtClean="0">
-                <a:solidFill>
-                  <a:srgbClr val="2A3643"/>
-                </a:solidFill>
-              </a:rPr>
-              <a:t>The SAC website uses 3 Isomer template layouts</a:t>
-            </a:r>
-          </a:p>
-          <a:p>
-            <a:pPr lvl="1"/>
-            <a:r>
-              <a:rPr lang="en-US" dirty="0">
-                <a:solidFill>
-                  <a:srgbClr val="2A3643"/>
-                </a:solidFill>
-              </a:rPr>
-              <a:t>l</a:t>
-            </a:r>
-            <a:r>
-              <a:rPr lang="en-US" dirty="0" smtClean="0">
-                <a:solidFill>
-                  <a:srgbClr val="2A3643"/>
-                </a:solidFill>
-              </a:rPr>
-              <a:t>eftnav-page</a:t>
-            </a:r>
-          </a:p>
-          <a:p>
-            <a:pPr lvl="1"/>
-            <a:r>
-              <a:rPr lang="en-US" dirty="0">
-                <a:solidFill>
-                  <a:srgbClr val="2A3643"/>
-                </a:solidFill>
-              </a:rPr>
-              <a:t>p</a:t>
-            </a:r>
-            <a:r>
-              <a:rPr lang="en-US" dirty="0" smtClean="0">
-                <a:solidFill>
-                  <a:srgbClr val="2A3643"/>
-                </a:solidFill>
-              </a:rPr>
-              <a:t>ost </a:t>
-            </a:r>
-          </a:p>
-          <a:p>
-            <a:pPr lvl="1"/>
-            <a:r>
-              <a:rPr lang="en-US" dirty="0" smtClean="0">
-                <a:solidFill>
-                  <a:srgbClr val="2A3643"/>
-                </a:solidFill>
-              </a:rPr>
-              <a:t>our-team</a:t>
-            </a:r>
-          </a:p>
-        </p:txBody>
-      </p:sp>
+      <p:pic>
+        <p:nvPicPr>
+          <p:cNvPr id="3" name="Picture 2"/>
+          <p:cNvPicPr>
+            <a:picLocks noChangeAspect="1"/>
+          </p:cNvPicPr>
+          <p:nvPr/>
+        </p:nvPicPr>
+        <p:blipFill>
+          <a:blip r:embed="rId2"/>
+          <a:stretch>
+            <a:fillRect/>
+          </a:stretch>
+        </p:blipFill>
+        <p:spPr>
+          <a:xfrm>
+            <a:off x="4041354" y="1517760"/>
+            <a:ext cx="3556542" cy="5311956"/>
+          </a:xfrm>
+          <a:prstGeom prst="rect">
+            <a:avLst/>
+          </a:prstGeom>
+        </p:spPr>
+      </p:pic>
       <p:sp>
         <p:nvSpPr>
           <p:cNvPr id="4" name="Title 3"/>
@@ -4697,16 +4482,475 @@
           <a:p>
             <a:r>
               <a:rPr lang="en-US" dirty="0" smtClean="0"/>
-              <a:t>Isomer Templates</a:t>
+              <a:t>Github Repository – Navigation Banner Tabs</a:t>
             </a:r>
             <a:endParaRPr lang="en-US" dirty="0"/>
+          </a:p>
+        </p:txBody>
+      </p:sp>
+      <p:sp>
+        <p:nvSpPr>
+          <p:cNvPr id="8" name="TextBox 7"/>
+          <p:cNvSpPr txBox="1"/>
+          <p:nvPr/>
+        </p:nvSpPr>
+        <p:spPr>
+          <a:xfrm>
+            <a:off x="791599" y="3271478"/>
+            <a:ext cx="2630870" cy="523220"/>
+          </a:xfrm>
+          <a:prstGeom prst="rect">
+            <a:avLst/>
+          </a:prstGeom>
+          <a:noFill/>
+          <a:ln w="19050">
+            <a:solidFill>
+              <a:srgbClr val="C00000"/>
+            </a:solidFill>
+          </a:ln>
+        </p:spPr>
+        <p:txBody>
+          <a:bodyPr wrap="square" rtlCol="0">
+            <a:spAutoFit/>
+          </a:bodyPr>
+          <a:lstStyle/>
+          <a:p>
+            <a:r>
+              <a:rPr lang="en-US" sz="1400" dirty="0" smtClean="0">
+                <a:solidFill>
+                  <a:srgbClr val="C00000"/>
+                </a:solidFill>
+              </a:rPr>
+              <a:t>Title and url of a main banner navigation tab (e.g. ‘About’)</a:t>
+            </a:r>
+            <a:endParaRPr lang="en-US" sz="1400" dirty="0">
+              <a:solidFill>
+                <a:srgbClr val="C00000"/>
+              </a:solidFill>
+            </a:endParaRPr>
+          </a:p>
+        </p:txBody>
+      </p:sp>
+      <p:cxnSp>
+        <p:nvCxnSpPr>
+          <p:cNvPr id="10" name="Straight Arrow Connector 9"/>
+          <p:cNvCxnSpPr>
+            <a:stCxn id="8" idx="3"/>
+            <a:endCxn id="24" idx="1"/>
+          </p:cNvCxnSpPr>
+          <p:nvPr/>
+        </p:nvCxnSpPr>
+        <p:spPr>
+          <a:xfrm flipV="1">
+            <a:off x="3422469" y="1705509"/>
+            <a:ext cx="825853" cy="1827579"/>
+          </a:xfrm>
+          <a:prstGeom prst="straightConnector1">
+            <a:avLst/>
+          </a:prstGeom>
+          <a:ln>
+            <a:solidFill>
+              <a:srgbClr val="C00000"/>
+            </a:solidFill>
+            <a:tailEnd type="triangle"/>
+          </a:ln>
+        </p:spPr>
+        <p:style>
+          <a:lnRef idx="1">
+            <a:schemeClr val="accent1"/>
+          </a:lnRef>
+          <a:fillRef idx="0">
+            <a:schemeClr val="accent1"/>
+          </a:fillRef>
+          <a:effectRef idx="0">
+            <a:schemeClr val="accent1"/>
+          </a:effectRef>
+          <a:fontRef idx="minor">
+            <a:schemeClr val="tx1"/>
+          </a:fontRef>
+        </p:style>
+      </p:cxnSp>
+      <p:sp>
+        <p:nvSpPr>
+          <p:cNvPr id="18" name="TextBox 17"/>
+          <p:cNvSpPr txBox="1"/>
+          <p:nvPr/>
+        </p:nvSpPr>
+        <p:spPr>
+          <a:xfrm>
+            <a:off x="791599" y="4582552"/>
+            <a:ext cx="2630870" cy="523220"/>
+          </a:xfrm>
+          <a:prstGeom prst="rect">
+            <a:avLst/>
+          </a:prstGeom>
+          <a:noFill/>
+          <a:ln w="19050">
+            <a:solidFill>
+              <a:srgbClr val="2A3643"/>
+            </a:solidFill>
+          </a:ln>
+        </p:spPr>
+        <p:txBody>
+          <a:bodyPr wrap="square" rtlCol="0">
+            <a:spAutoFit/>
+          </a:bodyPr>
+          <a:lstStyle/>
+          <a:p>
+            <a:r>
+              <a:rPr lang="en-US" sz="1400" dirty="0" smtClean="0">
+                <a:solidFill>
+                  <a:srgbClr val="2A3643"/>
+                </a:solidFill>
+              </a:rPr>
+              <a:t>Title and url of a sub-link under the ‘about’ navigation tab</a:t>
+            </a:r>
+            <a:endParaRPr lang="en-US" sz="1400" dirty="0">
+              <a:solidFill>
+                <a:srgbClr val="2A3643"/>
+              </a:solidFill>
+            </a:endParaRPr>
+          </a:p>
+        </p:txBody>
+      </p:sp>
+      <p:cxnSp>
+        <p:nvCxnSpPr>
+          <p:cNvPr id="20" name="Straight Arrow Connector 19"/>
+          <p:cNvCxnSpPr>
+            <a:stCxn id="18" idx="3"/>
+            <a:endCxn id="25" idx="1"/>
+          </p:cNvCxnSpPr>
+          <p:nvPr/>
+        </p:nvCxnSpPr>
+        <p:spPr>
+          <a:xfrm flipV="1">
+            <a:off x="3422469" y="4485393"/>
+            <a:ext cx="1010771" cy="358769"/>
+          </a:xfrm>
+          <a:prstGeom prst="straightConnector1">
+            <a:avLst/>
+          </a:prstGeom>
+          <a:ln>
+            <a:solidFill>
+              <a:srgbClr val="2A3643"/>
+            </a:solidFill>
+            <a:tailEnd type="triangle"/>
+          </a:ln>
+        </p:spPr>
+        <p:style>
+          <a:lnRef idx="1">
+            <a:schemeClr val="accent1"/>
+          </a:lnRef>
+          <a:fillRef idx="0">
+            <a:schemeClr val="accent1"/>
+          </a:fillRef>
+          <a:effectRef idx="0">
+            <a:schemeClr val="accent1"/>
+          </a:effectRef>
+          <a:fontRef idx="minor">
+            <a:schemeClr val="tx1"/>
+          </a:fontRef>
+        </p:style>
+      </p:cxnSp>
+      <p:sp>
+        <p:nvSpPr>
+          <p:cNvPr id="24" name="Rectangle 23"/>
+          <p:cNvSpPr/>
+          <p:nvPr/>
+        </p:nvSpPr>
+        <p:spPr>
+          <a:xfrm>
+            <a:off x="4248322" y="1516904"/>
+            <a:ext cx="1081324" cy="377210"/>
+          </a:xfrm>
+          <a:prstGeom prst="rect">
+            <a:avLst/>
+          </a:prstGeom>
+          <a:noFill/>
+          <a:ln w="28575">
+            <a:solidFill>
+              <a:srgbClr val="C00000"/>
+            </a:solidFill>
+          </a:ln>
+        </p:spPr>
+        <p:style>
+          <a:lnRef idx="2">
+            <a:schemeClr val="accent1">
+              <a:shade val="50000"/>
+            </a:schemeClr>
+          </a:lnRef>
+          <a:fillRef idx="1">
+            <a:schemeClr val="accent1"/>
+          </a:fillRef>
+          <a:effectRef idx="0">
+            <a:schemeClr val="accent1"/>
+          </a:effectRef>
+          <a:fontRef idx="minor">
+            <a:schemeClr val="lt1"/>
+          </a:fontRef>
+        </p:style>
+        <p:txBody>
+          <a:bodyPr rtlCol="0" anchor="ctr"/>
+          <a:lstStyle/>
+          <a:p>
+            <a:pPr algn="ctr"/>
+            <a:endParaRPr lang="en-US"/>
+          </a:p>
+        </p:txBody>
+      </p:sp>
+      <p:sp>
+        <p:nvSpPr>
+          <p:cNvPr id="25" name="Rectangle 24"/>
+          <p:cNvSpPr/>
+          <p:nvPr/>
+        </p:nvSpPr>
+        <p:spPr>
+          <a:xfrm>
+            <a:off x="4433240" y="4294283"/>
+            <a:ext cx="2281068" cy="382219"/>
+          </a:xfrm>
+          <a:prstGeom prst="rect">
+            <a:avLst/>
+          </a:prstGeom>
+          <a:noFill/>
+          <a:ln w="28575">
+            <a:solidFill>
+              <a:srgbClr val="2A3643"/>
+            </a:solidFill>
+          </a:ln>
+        </p:spPr>
+        <p:style>
+          <a:lnRef idx="2">
+            <a:schemeClr val="accent1">
+              <a:shade val="50000"/>
+            </a:schemeClr>
+          </a:lnRef>
+          <a:fillRef idx="1">
+            <a:schemeClr val="accent1"/>
+          </a:fillRef>
+          <a:effectRef idx="0">
+            <a:schemeClr val="accent1"/>
+          </a:effectRef>
+          <a:fontRef idx="minor">
+            <a:schemeClr val="lt1"/>
+          </a:fontRef>
+        </p:style>
+        <p:txBody>
+          <a:bodyPr rtlCol="0" anchor="ctr"/>
+          <a:lstStyle/>
+          <a:p>
+            <a:pPr algn="ctr"/>
+            <a:endParaRPr lang="en-US">
+              <a:solidFill>
+                <a:srgbClr val="2A3643"/>
+              </a:solidFill>
+            </a:endParaRPr>
+          </a:p>
+        </p:txBody>
+      </p:sp>
+      <p:sp>
+        <p:nvSpPr>
+          <p:cNvPr id="29" name="Rectangle 28"/>
+          <p:cNvSpPr/>
+          <p:nvPr/>
+        </p:nvSpPr>
+        <p:spPr>
+          <a:xfrm>
+            <a:off x="4248322" y="5611606"/>
+            <a:ext cx="1355643" cy="397307"/>
+          </a:xfrm>
+          <a:prstGeom prst="rect">
+            <a:avLst/>
+          </a:prstGeom>
+          <a:noFill/>
+          <a:ln w="28575">
+            <a:solidFill>
+              <a:srgbClr val="C00000"/>
+            </a:solidFill>
+          </a:ln>
+        </p:spPr>
+        <p:style>
+          <a:lnRef idx="2">
+            <a:schemeClr val="accent1">
+              <a:shade val="50000"/>
+            </a:schemeClr>
+          </a:lnRef>
+          <a:fillRef idx="1">
+            <a:schemeClr val="accent1"/>
+          </a:fillRef>
+          <a:effectRef idx="0">
+            <a:schemeClr val="accent1"/>
+          </a:effectRef>
+          <a:fontRef idx="minor">
+            <a:schemeClr val="lt1"/>
+          </a:fontRef>
+        </p:style>
+        <p:txBody>
+          <a:bodyPr rtlCol="0" anchor="ctr"/>
+          <a:lstStyle/>
+          <a:p>
+            <a:pPr algn="ctr"/>
+            <a:endParaRPr lang="en-US"/>
+          </a:p>
+        </p:txBody>
+      </p:sp>
+      <p:cxnSp>
+        <p:nvCxnSpPr>
+          <p:cNvPr id="32" name="Straight Arrow Connector 31"/>
+          <p:cNvCxnSpPr>
+            <a:stCxn id="8" idx="3"/>
+            <a:endCxn id="29" idx="1"/>
+          </p:cNvCxnSpPr>
+          <p:nvPr/>
+        </p:nvCxnSpPr>
+        <p:spPr>
+          <a:xfrm>
+            <a:off x="3422469" y="3533088"/>
+            <a:ext cx="825853" cy="2277172"/>
+          </a:xfrm>
+          <a:prstGeom prst="straightConnector1">
+            <a:avLst/>
+          </a:prstGeom>
+          <a:ln>
+            <a:solidFill>
+              <a:srgbClr val="C00000"/>
+            </a:solidFill>
+            <a:tailEnd type="triangle"/>
+          </a:ln>
+        </p:spPr>
+        <p:style>
+          <a:lnRef idx="1">
+            <a:schemeClr val="accent1"/>
+          </a:lnRef>
+          <a:fillRef idx="0">
+            <a:schemeClr val="accent1"/>
+          </a:fillRef>
+          <a:effectRef idx="0">
+            <a:schemeClr val="accent1"/>
+          </a:effectRef>
+          <a:fontRef idx="minor">
+            <a:schemeClr val="tx1"/>
+          </a:fontRef>
+        </p:style>
+      </p:cxnSp>
+      <p:sp>
+        <p:nvSpPr>
+          <p:cNvPr id="13" name="TextBox 12"/>
+          <p:cNvSpPr txBox="1"/>
+          <p:nvPr/>
+        </p:nvSpPr>
+        <p:spPr>
+          <a:xfrm>
+            <a:off x="8770437" y="3158075"/>
+            <a:ext cx="2672626" cy="1477328"/>
+          </a:xfrm>
+          <a:prstGeom prst="rect">
+            <a:avLst/>
+          </a:prstGeom>
+          <a:noFill/>
+          <a:ln w="19050">
+            <a:noFill/>
+          </a:ln>
+        </p:spPr>
+        <p:txBody>
+          <a:bodyPr wrap="square" rtlCol="0">
+            <a:spAutoFit/>
+          </a:bodyPr>
+          <a:lstStyle/>
+          <a:p>
+            <a:r>
+              <a:rPr lang="en-US" dirty="0" smtClean="0">
+                <a:solidFill>
+                  <a:srgbClr val="C00000"/>
+                </a:solidFill>
+              </a:rPr>
+              <a:t>The </a:t>
+            </a:r>
+            <a:r>
+              <a:rPr lang="en-US" dirty="0" smtClean="0">
+                <a:solidFill>
+                  <a:srgbClr val="C00000"/>
+                </a:solidFill>
+              </a:rPr>
+              <a:t>indentations/ spacing </a:t>
+            </a:r>
+            <a:r>
+              <a:rPr lang="en-US" dirty="0" smtClean="0">
+                <a:solidFill>
+                  <a:srgbClr val="C00000"/>
+                </a:solidFill>
+              </a:rPr>
+              <a:t>in the navigation.yml file must be correct, otherwise the website may break. </a:t>
+            </a:r>
+            <a:endParaRPr lang="en-US" dirty="0">
+              <a:solidFill>
+                <a:srgbClr val="C00000"/>
+              </a:solidFill>
+            </a:endParaRPr>
+          </a:p>
+        </p:txBody>
+      </p:sp>
+      <p:sp>
+        <p:nvSpPr>
+          <p:cNvPr id="15" name="TextBox 14"/>
+          <p:cNvSpPr txBox="1"/>
+          <p:nvPr/>
+        </p:nvSpPr>
+        <p:spPr>
+          <a:xfrm>
+            <a:off x="791599" y="1728715"/>
+            <a:ext cx="2996630" cy="1169551"/>
+          </a:xfrm>
+          <a:prstGeom prst="rect">
+            <a:avLst/>
+          </a:prstGeom>
+          <a:noFill/>
+          <a:ln w="19050">
+            <a:noFill/>
+          </a:ln>
+        </p:spPr>
+        <p:txBody>
+          <a:bodyPr wrap="square" rtlCol="0">
+            <a:spAutoFit/>
+          </a:bodyPr>
+          <a:lstStyle/>
+          <a:p>
+            <a:r>
+              <a:rPr lang="en-US" sz="1400" dirty="0" smtClean="0">
+                <a:solidFill>
+                  <a:srgbClr val="C00000"/>
+                </a:solidFill>
+              </a:rPr>
+              <a:t>The titles </a:t>
+            </a:r>
+            <a:r>
+              <a:rPr lang="en-US" sz="1400" dirty="0" smtClean="0">
+                <a:solidFill>
+                  <a:srgbClr val="C00000"/>
+                </a:solidFill>
+              </a:rPr>
+              <a:t>and url </a:t>
+            </a:r>
+            <a:r>
+              <a:rPr lang="en-US" sz="1400" dirty="0" smtClean="0">
+                <a:solidFill>
+                  <a:srgbClr val="C00000"/>
+                </a:solidFill>
+              </a:rPr>
+              <a:t>links for all the tabs in the main navigation bar and their sub-pages are contained inside the ‘navigation.yml’ file inside the ‘_data’folder</a:t>
+            </a:r>
+            <a:endParaRPr lang="en-US" sz="1400" dirty="0">
+              <a:solidFill>
+                <a:srgbClr val="C00000"/>
+              </a:solidFill>
+            </a:endParaRPr>
           </a:p>
         </p:txBody>
       </p:sp>
     </p:spTree>
     <p:extLst>
       <p:ext uri="{BB962C8B-B14F-4D97-AF65-F5344CB8AC3E}">
-        <p14:creationId xmlns:p14="http://schemas.microsoft.com/office/powerpoint/2010/main" val="215046138"/>
+        <p14:creationId xmlns:p14="http://schemas.microsoft.com/office/powerpoint/2010/main" val="4150702265"/>
       </p:ext>
     </p:extLst>
   </p:cSld>
@@ -4740,30 +4984,6 @@
           <a:chExt cx="0" cy="0"/>
         </a:xfrm>
       </p:grpSpPr>
-      <p:pic>
-        <p:nvPicPr>
-          <p:cNvPr id="17" name="Picture 16"/>
-          <p:cNvPicPr>
-            <a:picLocks noChangeAspect="1"/>
-          </p:cNvPicPr>
-          <p:nvPr/>
-        </p:nvPicPr>
-        <p:blipFill>
-          <a:blip r:embed="rId2"/>
-          <a:stretch>
-            <a:fillRect/>
-          </a:stretch>
-        </p:blipFill>
-        <p:spPr>
-          <a:xfrm>
-            <a:off x="4323534" y="2116184"/>
-            <a:ext cx="5917234" cy="4572408"/>
-          </a:xfrm>
-          <a:prstGeom prst="rect">
-            <a:avLst/>
-          </a:prstGeom>
-        </p:spPr>
-      </p:pic>
       <p:sp>
         <p:nvSpPr>
           <p:cNvPr id="2" name="Content Placeholder 1"/>
@@ -4776,8 +4996,8 @@
         </p:nvSpPr>
         <p:spPr>
           <a:xfrm>
-            <a:off x="541333" y="1641680"/>
-            <a:ext cx="10836415" cy="474504"/>
+            <a:off x="541333" y="1641679"/>
+            <a:ext cx="10836415" cy="4507421"/>
           </a:xfrm>
         </p:spPr>
         <p:txBody>
@@ -4793,7 +5013,101 @@
                   <a:srgbClr val="2A3643"/>
                 </a:solidFill>
               </a:rPr>
-              <a:t>The leftnav-page template is used for most of the pages in the SAC website.</a:t>
+              <a:t>The SAC website </a:t>
+            </a:r>
+            <a:r>
+              <a:rPr lang="en-US" dirty="0" smtClean="0">
+                <a:solidFill>
+                  <a:srgbClr val="2A3643"/>
+                </a:solidFill>
+              </a:rPr>
+              <a:t>inner pages uses </a:t>
+            </a:r>
+            <a:r>
+              <a:rPr lang="en-US" dirty="0" smtClean="0">
+                <a:solidFill>
+                  <a:srgbClr val="2A3643"/>
+                </a:solidFill>
+              </a:rPr>
+              <a:t>3 Isomer </a:t>
+            </a:r>
+            <a:r>
+              <a:rPr lang="en-US" dirty="0" smtClean="0">
+                <a:solidFill>
+                  <a:srgbClr val="2A3643"/>
+                </a:solidFill>
+              </a:rPr>
+              <a:t>template </a:t>
+            </a:r>
+            <a:r>
+              <a:rPr lang="en-US" dirty="0" smtClean="0">
+                <a:solidFill>
+                  <a:srgbClr val="2A3643"/>
+                </a:solidFill>
+              </a:rPr>
+              <a:t>layouts</a:t>
+            </a:r>
+          </a:p>
+          <a:p>
+            <a:pPr lvl="1"/>
+            <a:r>
+              <a:rPr lang="en-US" dirty="0">
+                <a:solidFill>
+                  <a:srgbClr val="2A3643"/>
+                </a:solidFill>
+              </a:rPr>
+              <a:t>l</a:t>
+            </a:r>
+            <a:r>
+              <a:rPr lang="en-US" dirty="0" smtClean="0">
+                <a:solidFill>
+                  <a:srgbClr val="2A3643"/>
+                </a:solidFill>
+              </a:rPr>
+              <a:t>eftnav-page</a:t>
+            </a:r>
+          </a:p>
+          <a:p>
+            <a:pPr lvl="1"/>
+            <a:r>
+              <a:rPr lang="en-US" dirty="0">
+                <a:solidFill>
+                  <a:srgbClr val="2A3643"/>
+                </a:solidFill>
+              </a:rPr>
+              <a:t>p</a:t>
+            </a:r>
+            <a:r>
+              <a:rPr lang="en-US" dirty="0" smtClean="0">
+                <a:solidFill>
+                  <a:srgbClr val="2A3643"/>
+                </a:solidFill>
+              </a:rPr>
+              <a:t>ost </a:t>
+            </a:r>
+            <a:r>
+              <a:rPr lang="en-US" dirty="0" smtClean="0">
+                <a:solidFill>
+                  <a:srgbClr val="2A3643"/>
+                </a:solidFill>
+              </a:rPr>
+              <a:t>/ simple-page</a:t>
+            </a:r>
+            <a:endParaRPr lang="en-US" dirty="0" smtClean="0">
+              <a:solidFill>
+                <a:srgbClr val="2A3643"/>
+              </a:solidFill>
+            </a:endParaRPr>
+          </a:p>
+          <a:p>
+            <a:pPr lvl="1"/>
+            <a:r>
+              <a:rPr lang="en-US" dirty="0" smtClean="0">
+                <a:solidFill>
+                  <a:srgbClr val="2A3643"/>
+                </a:solidFill>
+              </a:rPr>
+              <a:t>our-team</a:t>
             </a:r>
           </a:p>
         </p:txBody>
@@ -4815,150 +5129,29 @@
           <a:p>
             <a:r>
               <a:rPr lang="en-US" dirty="0" smtClean="0"/>
-              <a:t>Isomer Templates – leftnav-page</a:t>
+              <a:t>Isomer Templates</a:t>
             </a:r>
             <a:endParaRPr lang="en-US" dirty="0"/>
-          </a:p>
-        </p:txBody>
-      </p:sp>
-      <p:sp>
-        <p:nvSpPr>
-          <p:cNvPr id="5" name="TextBox 4"/>
-          <p:cNvSpPr txBox="1"/>
-          <p:nvPr/>
-        </p:nvSpPr>
-        <p:spPr>
-          <a:xfrm>
-            <a:off x="1115316" y="3461617"/>
-            <a:ext cx="2071238" cy="1169551"/>
-          </a:xfrm>
-          <a:prstGeom prst="rect">
-            <a:avLst/>
-          </a:prstGeom>
-          <a:noFill/>
-          <a:ln w="19050">
-            <a:solidFill>
-              <a:srgbClr val="C00000"/>
-            </a:solidFill>
-          </a:ln>
-        </p:spPr>
-        <p:txBody>
-          <a:bodyPr wrap="square" rtlCol="0">
-            <a:spAutoFit/>
-          </a:bodyPr>
-          <a:lstStyle/>
-          <a:p>
-            <a:r>
-              <a:rPr lang="en-US" sz="1400" dirty="0" smtClean="0">
-                <a:solidFill>
-                  <a:srgbClr val="C00000"/>
-                </a:solidFill>
-              </a:rPr>
-              <a:t>Pages using the leftnav-page template have a left navigation bar that contains the links of all the sub-pages</a:t>
-            </a:r>
-            <a:endParaRPr lang="en-US" sz="1400" dirty="0">
-              <a:solidFill>
-                <a:srgbClr val="C00000"/>
-              </a:solidFill>
-            </a:endParaRPr>
-          </a:p>
-        </p:txBody>
-      </p:sp>
-      <p:cxnSp>
-        <p:nvCxnSpPr>
-          <p:cNvPr id="6" name="Straight Arrow Connector 5"/>
-          <p:cNvCxnSpPr>
-            <a:stCxn id="5" idx="3"/>
-            <a:endCxn id="11" idx="1"/>
-          </p:cNvCxnSpPr>
-          <p:nvPr/>
-        </p:nvCxnSpPr>
-        <p:spPr>
-          <a:xfrm>
-            <a:off x="3186554" y="4046393"/>
-            <a:ext cx="1257695" cy="1014505"/>
-          </a:xfrm>
-          <a:prstGeom prst="straightConnector1">
-            <a:avLst/>
-          </a:prstGeom>
-          <a:ln>
-            <a:solidFill>
-              <a:srgbClr val="C00000"/>
-            </a:solidFill>
-            <a:tailEnd type="triangle"/>
-          </a:ln>
-        </p:spPr>
-        <p:style>
-          <a:lnRef idx="1">
-            <a:schemeClr val="accent1"/>
-          </a:lnRef>
-          <a:fillRef idx="0">
-            <a:schemeClr val="accent1"/>
-          </a:fillRef>
-          <a:effectRef idx="0">
-            <a:schemeClr val="accent1"/>
-          </a:effectRef>
-          <a:fontRef idx="minor">
-            <a:schemeClr val="tx1"/>
-          </a:fontRef>
-        </p:style>
-      </p:cxnSp>
-      <p:sp>
-        <p:nvSpPr>
-          <p:cNvPr id="11" name="Rectangle 10"/>
-          <p:cNvSpPr/>
-          <p:nvPr/>
-        </p:nvSpPr>
-        <p:spPr>
-          <a:xfrm>
-            <a:off x="4444249" y="3433204"/>
-            <a:ext cx="1342597" cy="3255388"/>
-          </a:xfrm>
-          <a:prstGeom prst="rect">
-            <a:avLst/>
-          </a:prstGeom>
-          <a:noFill/>
-          <a:ln w="28575">
-            <a:solidFill>
-              <a:srgbClr val="C00000"/>
-            </a:solidFill>
-          </a:ln>
-        </p:spPr>
-        <p:style>
-          <a:lnRef idx="2">
-            <a:schemeClr val="accent1">
-              <a:shade val="50000"/>
-            </a:schemeClr>
-          </a:lnRef>
-          <a:fillRef idx="1">
-            <a:schemeClr val="accent1"/>
-          </a:fillRef>
-          <a:effectRef idx="0">
-            <a:schemeClr val="accent1"/>
-          </a:effectRef>
-          <a:fontRef idx="minor">
-            <a:schemeClr val="lt1"/>
-          </a:fontRef>
-        </p:style>
-        <p:txBody>
-          <a:bodyPr rtlCol="0" anchor="ctr"/>
-          <a:lstStyle/>
-          <a:p>
-            <a:pPr algn="ctr"/>
-            <a:endParaRPr lang="en-US"/>
           </a:p>
         </p:txBody>
       </p:sp>
     </p:spTree>
     <p:extLst>
       <p:ext uri="{BB962C8B-B14F-4D97-AF65-F5344CB8AC3E}">
-        <p14:creationId xmlns:p14="http://schemas.microsoft.com/office/powerpoint/2010/main" val="1058093821"/>
+        <p14:creationId xmlns:p14="http://schemas.microsoft.com/office/powerpoint/2010/main" val="215046138"/>
       </p:ext>
     </p:extLst>
   </p:cSld>
   <p:clrMapOvr>
     <a:masterClrMapping/>
   </p:clrMapOvr>
+  <p:timing>
+    <p:tnLst>
+      <p:par>
+        <p:cTn id="1" dur="indefinite" restart="never" nodeType="tmRoot"/>
+      </p:par>
+    </p:tnLst>
+  </p:timing>
 </p:sld>
 </file>
 
@@ -4979,6 +5172,64 @@
           <a:chExt cx="0" cy="0"/>
         </a:xfrm>
       </p:grpSpPr>
+      <p:pic>
+        <p:nvPicPr>
+          <p:cNvPr id="17" name="Picture 16"/>
+          <p:cNvPicPr>
+            <a:picLocks noChangeAspect="1"/>
+          </p:cNvPicPr>
+          <p:nvPr/>
+        </p:nvPicPr>
+        <p:blipFill>
+          <a:blip r:embed="rId2"/>
+          <a:stretch>
+            <a:fillRect/>
+          </a:stretch>
+        </p:blipFill>
+        <p:spPr>
+          <a:xfrm>
+            <a:off x="4323534" y="2116184"/>
+            <a:ext cx="5917234" cy="4572408"/>
+          </a:xfrm>
+          <a:prstGeom prst="rect">
+            <a:avLst/>
+          </a:prstGeom>
+        </p:spPr>
+      </p:pic>
+      <p:sp>
+        <p:nvSpPr>
+          <p:cNvPr id="2" name="Content Placeholder 1"/>
+          <p:cNvSpPr>
+            <a:spLocks noGrp="1"/>
+          </p:cNvSpPr>
+          <p:nvPr>
+            <p:ph sz="half" idx="1"/>
+          </p:nvPr>
+        </p:nvSpPr>
+        <p:spPr>
+          <a:xfrm>
+            <a:off x="541333" y="1641680"/>
+            <a:ext cx="10836415" cy="474504"/>
+          </a:xfrm>
+        </p:spPr>
+        <p:txBody>
+          <a:bodyPr/>
+          <a:lstStyle/>
+          <a:p>
+            <a:pPr marL="0" indent="0">
+              <a:buNone/>
+            </a:pPr>
+            <a:r>
+              <a:rPr lang="en-US" dirty="0" smtClean="0">
+                <a:solidFill>
+                  <a:srgbClr val="2A3643"/>
+                </a:solidFill>
+              </a:rPr>
+              <a:t>The leftnav-page template is used for most of the pages in the SAC website.</a:t>
+            </a:r>
+          </a:p>
+        </p:txBody>
+      </p:sp>
       <p:sp>
         <p:nvSpPr>
           <p:cNvPr id="4" name="Title 3"/>
@@ -4995,12 +5246,8 @@
           <a:lstStyle/>
           <a:p>
             <a:r>
-              <a:rPr lang="en-US" dirty="0"/>
-              <a:t>Isomer Templates – </a:t>
-            </a:r>
-            <a:r>
               <a:rPr lang="en-US" dirty="0" smtClean="0"/>
-              <a:t>post</a:t>
+              <a:t>Isomer Templates – leftnav-page</a:t>
             </a:r>
             <a:endParaRPr lang="en-US" dirty="0"/>
           </a:p>
@@ -5008,79 +5255,14 @@
       </p:sp>
       <p:sp>
         <p:nvSpPr>
-          <p:cNvPr id="5" name="Content Placeholder 1"/>
-          <p:cNvSpPr>
-            <a:spLocks noGrp="1"/>
-          </p:cNvSpPr>
-          <p:nvPr>
-            <p:ph sz="half" idx="1"/>
-          </p:nvPr>
-        </p:nvSpPr>
-        <p:spPr>
-          <a:xfrm>
-            <a:off x="541333" y="1641680"/>
-            <a:ext cx="10836415" cy="461440"/>
-          </a:xfrm>
-        </p:spPr>
-        <p:txBody>
-          <a:bodyPr/>
-          <a:lstStyle/>
-          <a:p>
-            <a:pPr marL="0" indent="0">
-              <a:buNone/>
-            </a:pPr>
-            <a:r>
-              <a:rPr lang="en-US" dirty="0" smtClean="0">
-                <a:solidFill>
-                  <a:srgbClr val="2A3643"/>
-                </a:solidFill>
-              </a:rPr>
-              <a:t>The post template is used for the pages inside the Newsroom link.</a:t>
-            </a:r>
-          </a:p>
-          <a:p>
-            <a:endParaRPr lang="en-US" dirty="0" smtClean="0">
-              <a:solidFill>
-                <a:srgbClr val="2A3643"/>
-              </a:solidFill>
-            </a:endParaRPr>
-          </a:p>
-        </p:txBody>
-      </p:sp>
-      <p:pic>
-        <p:nvPicPr>
-          <p:cNvPr id="7" name="Picture 6"/>
-          <p:cNvPicPr>
-            <a:picLocks noChangeAspect="1"/>
-          </p:cNvPicPr>
-          <p:nvPr/>
-        </p:nvPicPr>
-        <p:blipFill>
-          <a:blip r:embed="rId2"/>
-          <a:stretch>
-            <a:fillRect/>
-          </a:stretch>
-        </p:blipFill>
-        <p:spPr>
-          <a:xfrm>
-            <a:off x="3688623" y="2279510"/>
-            <a:ext cx="6591300" cy="4191000"/>
-          </a:xfrm>
-          <a:prstGeom prst="rect">
-            <a:avLst/>
-          </a:prstGeom>
-        </p:spPr>
-      </p:pic>
-      <p:sp>
-        <p:nvSpPr>
-          <p:cNvPr id="8" name="TextBox 7"/>
+          <p:cNvPr id="5" name="TextBox 4"/>
           <p:cNvSpPr txBox="1"/>
           <p:nvPr/>
         </p:nvSpPr>
         <p:spPr>
           <a:xfrm>
-            <a:off x="541333" y="4375010"/>
-            <a:ext cx="2037806" cy="954107"/>
+            <a:off x="1115316" y="3461617"/>
+            <a:ext cx="2071238" cy="1169551"/>
           </a:xfrm>
           <a:prstGeom prst="rect">
             <a:avLst/>
@@ -5104,40 +5286,29 @@
                   <a:srgbClr val="C00000"/>
                 </a:solidFill>
               </a:rPr>
-              <a:t>Each </a:t>
-            </a:r>
-            <a:r>
-              <a:rPr lang="en-US" sz="1400" dirty="0" smtClean="0">
-                <a:solidFill>
-                  <a:srgbClr val="C00000"/>
-                </a:solidFill>
-              </a:rPr>
-              <a:t>box </a:t>
-            </a:r>
-            <a:r>
-              <a:rPr lang="en-US" sz="1400" dirty="0" smtClean="0">
-                <a:solidFill>
-                  <a:srgbClr val="C00000"/>
-                </a:solidFill>
-              </a:rPr>
-              <a:t>in the NewsRoom page corresponds to a single ‘post’ template page</a:t>
-            </a:r>
+              <a:t>Pages using the leftnav-page template have a left navigation bar that contains the links of all the sub-pages</a:t>
+            </a:r>
+            <a:endParaRPr lang="en-US" sz="1400" dirty="0">
+              <a:solidFill>
+                <a:srgbClr val="C00000"/>
+              </a:solidFill>
+            </a:endParaRPr>
           </a:p>
         </p:txBody>
       </p:sp>
       <p:cxnSp>
         <p:nvCxnSpPr>
-          <p:cNvPr id="9" name="Straight Arrow Connector 8"/>
+          <p:cNvPr id="6" name="Straight Arrow Connector 5"/>
           <p:cNvCxnSpPr>
-            <a:stCxn id="8" idx="3"/>
-            <a:endCxn id="10" idx="1"/>
+            <a:stCxn id="5" idx="3"/>
+            <a:endCxn id="11" idx="1"/>
           </p:cNvCxnSpPr>
           <p:nvPr/>
         </p:nvCxnSpPr>
         <p:spPr>
           <a:xfrm>
-            <a:off x="2579139" y="4852064"/>
-            <a:ext cx="1291128" cy="132111"/>
+            <a:off x="3186554" y="4046393"/>
+            <a:ext cx="1257695" cy="1014505"/>
           </a:xfrm>
           <a:prstGeom prst="straightConnector1">
             <a:avLst/>
@@ -5166,14 +5337,14 @@
       </p:cxnSp>
       <p:sp>
         <p:nvSpPr>
-          <p:cNvPr id="10" name="Rectangle 9"/>
+          <p:cNvPr id="11" name="Rectangle 10"/>
           <p:cNvSpPr/>
           <p:nvPr/>
         </p:nvSpPr>
         <p:spPr>
           <a:xfrm>
-            <a:off x="3870267" y="4050467"/>
-            <a:ext cx="1681448" cy="1867416"/>
+            <a:off x="4444249" y="3433204"/>
+            <a:ext cx="1342597" cy="3255388"/>
           </a:xfrm>
           <a:prstGeom prst="rect">
             <a:avLst/>
@@ -5213,7 +5384,7 @@
     </p:spTree>
     <p:extLst>
       <p:ext uri="{BB962C8B-B14F-4D97-AF65-F5344CB8AC3E}">
-        <p14:creationId xmlns:p14="http://schemas.microsoft.com/office/powerpoint/2010/main" val="2227907177"/>
+        <p14:creationId xmlns:p14="http://schemas.microsoft.com/office/powerpoint/2010/main" val="1058093821"/>
       </p:ext>
     </p:extLst>
   </p:cSld>
@@ -5240,9 +5411,77 @@
           <a:chExt cx="0" cy="0"/>
         </a:xfrm>
       </p:grpSpPr>
+      <p:sp>
+        <p:nvSpPr>
+          <p:cNvPr id="4" name="Title 3"/>
+          <p:cNvSpPr>
+            <a:spLocks noGrp="1"/>
+          </p:cNvSpPr>
+          <p:nvPr>
+            <p:ph type="title"/>
+          </p:nvPr>
+        </p:nvSpPr>
+        <p:spPr/>
+        <p:txBody>
+          <a:bodyPr/>
+          <a:lstStyle/>
+          <a:p>
+            <a:r>
+              <a:rPr lang="en-US" dirty="0"/>
+              <a:t>Isomer Templates – </a:t>
+            </a:r>
+            <a:r>
+              <a:rPr lang="en-US" dirty="0" smtClean="0"/>
+              <a:t>post</a:t>
+            </a:r>
+            <a:endParaRPr lang="en-US" dirty="0"/>
+          </a:p>
+        </p:txBody>
+      </p:sp>
+      <p:sp>
+        <p:nvSpPr>
+          <p:cNvPr id="5" name="Content Placeholder 1"/>
+          <p:cNvSpPr>
+            <a:spLocks noGrp="1"/>
+          </p:cNvSpPr>
+          <p:nvPr>
+            <p:ph sz="half" idx="1"/>
+          </p:nvPr>
+        </p:nvSpPr>
+        <p:spPr>
+          <a:xfrm>
+            <a:off x="541333" y="1641680"/>
+            <a:ext cx="10836415" cy="461440"/>
+          </a:xfrm>
+        </p:spPr>
+        <p:txBody>
+          <a:bodyPr/>
+          <a:lstStyle/>
+          <a:p>
+            <a:pPr marL="0" indent="0">
+              <a:buNone/>
+            </a:pPr>
+            <a:r>
+              <a:rPr lang="en-US" dirty="0" smtClean="0">
+                <a:solidFill>
+                  <a:srgbClr val="2A3643"/>
+                </a:solidFill>
+              </a:rPr>
+              <a:t>The post template is used for the pages inside the Newsroom link.</a:t>
+            </a:r>
+          </a:p>
+          <a:p>
+            <a:endParaRPr lang="en-US" dirty="0" smtClean="0">
+              <a:solidFill>
+                <a:srgbClr val="2A3643"/>
+              </a:solidFill>
+            </a:endParaRPr>
+          </a:p>
+        </p:txBody>
+      </p:sp>
       <p:pic>
         <p:nvPicPr>
-          <p:cNvPr id="3" name="Picture 2"/>
+          <p:cNvPr id="7" name="Picture 6"/>
           <p:cNvPicPr>
             <a:picLocks noChangeAspect="1"/>
           </p:cNvPicPr>
@@ -5256,8 +5495,8 @@
         </p:blipFill>
         <p:spPr>
           <a:xfrm>
-            <a:off x="3347663" y="2508950"/>
-            <a:ext cx="5406634" cy="4088674"/>
+            <a:off x="3688623" y="2279510"/>
+            <a:ext cx="6591300" cy="4191000"/>
           </a:xfrm>
           <a:prstGeom prst="rect">
             <a:avLst/>
@@ -5266,103 +5505,14 @@
       </p:pic>
       <p:sp>
         <p:nvSpPr>
-          <p:cNvPr id="4" name="Title 3"/>
-          <p:cNvSpPr>
-            <a:spLocks noGrp="1"/>
-          </p:cNvSpPr>
-          <p:nvPr>
-            <p:ph type="title"/>
-          </p:nvPr>
-        </p:nvSpPr>
-        <p:spPr/>
-        <p:txBody>
-          <a:bodyPr/>
-          <a:lstStyle/>
-          <a:p>
-            <a:r>
-              <a:rPr lang="en-US" dirty="0"/>
-              <a:t>Isomer Templates – </a:t>
-            </a:r>
-            <a:r>
-              <a:rPr lang="en-US" dirty="0" smtClean="0"/>
-              <a:t>our-team</a:t>
-            </a:r>
-            <a:endParaRPr lang="en-US" dirty="0"/>
-          </a:p>
-        </p:txBody>
-      </p:sp>
-      <p:sp>
-        <p:nvSpPr>
-          <p:cNvPr id="5" name="Content Placeholder 1"/>
-          <p:cNvSpPr>
-            <a:spLocks noGrp="1"/>
-          </p:cNvSpPr>
-          <p:nvPr>
-            <p:ph sz="half" idx="1"/>
-          </p:nvPr>
-        </p:nvSpPr>
-        <p:spPr>
-          <a:xfrm>
-            <a:off x="632773" y="1363199"/>
-            <a:ext cx="10836415" cy="1041739"/>
-          </a:xfrm>
-        </p:spPr>
-        <p:txBody>
-          <a:bodyPr>
-            <a:normAutofit fontScale="92500" lnSpcReduction="10000"/>
-          </a:bodyPr>
-          <a:lstStyle/>
-          <a:p>
-            <a:pPr marL="0" indent="0">
-              <a:lnSpc>
-                <a:spcPct val="150000"/>
-              </a:lnSpc>
-              <a:buNone/>
-            </a:pPr>
-            <a:r>
-              <a:rPr lang="en-US" dirty="0" smtClean="0">
-                <a:solidFill>
-                  <a:srgbClr val="2A3643"/>
-                </a:solidFill>
-              </a:rPr>
-              <a:t>The our-team layout is used in only specific pages like ‘Our </a:t>
-            </a:r>
-            <a:r>
-              <a:rPr lang="en-US" dirty="0">
-                <a:solidFill>
-                  <a:srgbClr val="2A3643"/>
-                </a:solidFill>
-              </a:rPr>
-              <a:t>O</a:t>
-            </a:r>
-            <a:r>
-              <a:rPr lang="en-US" dirty="0" smtClean="0">
-                <a:solidFill>
-                  <a:srgbClr val="2A3643"/>
-                </a:solidFill>
-              </a:rPr>
-              <a:t>rganisation and Structure’, ‘FAQ’ and ‘Certified Companies’.</a:t>
-            </a:r>
-          </a:p>
-          <a:p>
-            <a:endParaRPr lang="en-US" dirty="0" smtClean="0">
-              <a:solidFill>
-                <a:srgbClr val="2A3643"/>
-              </a:solidFill>
-            </a:endParaRPr>
-          </a:p>
-        </p:txBody>
-      </p:sp>
-      <p:sp>
-        <p:nvSpPr>
-          <p:cNvPr id="16" name="TextBox 15"/>
+          <p:cNvPr id="8" name="TextBox 7"/>
           <p:cNvSpPr txBox="1"/>
           <p:nvPr/>
         </p:nvSpPr>
         <p:spPr>
           <a:xfrm>
-            <a:off x="1321134" y="3653191"/>
-            <a:ext cx="1887105" cy="1384995"/>
+            <a:off x="541333" y="4375010"/>
+            <a:ext cx="2037806" cy="954107"/>
           </a:xfrm>
           <a:prstGeom prst="rect">
             <a:avLst/>
@@ -5386,28 +5536,24 @@
                   <a:srgbClr val="C00000"/>
                 </a:solidFill>
               </a:rPr>
-              <a:t>Contains an accordion (collapsible content). Each horizontal section contains a brief title, description, question etc.</a:t>
-            </a:r>
-            <a:endParaRPr lang="en-US" sz="1400" dirty="0">
-              <a:solidFill>
-                <a:srgbClr val="C00000"/>
-              </a:solidFill>
-            </a:endParaRPr>
+              <a:t>Each box in the NewsRoom page corresponds to a single ‘post’ template page</a:t>
+            </a:r>
           </a:p>
         </p:txBody>
       </p:sp>
       <p:cxnSp>
         <p:nvCxnSpPr>
-          <p:cNvPr id="17" name="Straight Arrow Connector 16"/>
+          <p:cNvPr id="9" name="Straight Arrow Connector 8"/>
           <p:cNvCxnSpPr>
-            <a:stCxn id="16" idx="3"/>
+            <a:stCxn id="8" idx="3"/>
+            <a:endCxn id="10" idx="1"/>
           </p:cNvCxnSpPr>
           <p:nvPr/>
         </p:nvCxnSpPr>
         <p:spPr>
-          <a:xfrm flipV="1">
-            <a:off x="3208239" y="4345688"/>
-            <a:ext cx="1718243" cy="1"/>
+          <a:xfrm>
+            <a:off x="2579139" y="4852064"/>
+            <a:ext cx="1291128" cy="132111"/>
           </a:xfrm>
           <a:prstGeom prst="straightConnector1">
             <a:avLst/>
@@ -5434,162 +5580,56 @@
           </a:fontRef>
         </p:style>
       </p:cxnSp>
-      <p:cxnSp>
-        <p:nvCxnSpPr>
-          <p:cNvPr id="18" name="Straight Arrow Connector 17"/>
-          <p:cNvCxnSpPr>
-            <a:stCxn id="16" idx="3"/>
-          </p:cNvCxnSpPr>
-          <p:nvPr/>
-        </p:nvCxnSpPr>
-        <p:spPr>
-          <a:xfrm>
-            <a:off x="3208239" y="4345689"/>
-            <a:ext cx="1814217" cy="997020"/>
-          </a:xfrm>
-          <a:prstGeom prst="straightConnector1">
-            <a:avLst/>
-          </a:prstGeom>
-          <a:ln>
-            <a:solidFill>
-              <a:srgbClr val="C00000"/>
-            </a:solidFill>
-            <a:tailEnd type="triangle"/>
-          </a:ln>
-        </p:spPr>
-        <p:style>
-          <a:lnRef idx="1">
-            <a:schemeClr val="accent1"/>
-          </a:lnRef>
-          <a:fillRef idx="0">
-            <a:schemeClr val="accent1"/>
-          </a:fillRef>
-          <a:effectRef idx="0">
-            <a:schemeClr val="accent1"/>
-          </a:effectRef>
-          <a:fontRef idx="minor">
-            <a:schemeClr val="tx1"/>
-          </a:fontRef>
-        </p:style>
-      </p:cxnSp>
-      <p:cxnSp>
-        <p:nvCxnSpPr>
-          <p:cNvPr id="19" name="Straight Arrow Connector 18"/>
-          <p:cNvCxnSpPr>
-            <a:stCxn id="16" idx="3"/>
-          </p:cNvCxnSpPr>
-          <p:nvPr/>
-        </p:nvCxnSpPr>
-        <p:spPr>
-          <a:xfrm>
-            <a:off x="3208239" y="4345689"/>
-            <a:ext cx="1718243" cy="1480345"/>
-          </a:xfrm>
-          <a:prstGeom prst="straightConnector1">
-            <a:avLst/>
-          </a:prstGeom>
-          <a:ln>
-            <a:solidFill>
-              <a:srgbClr val="C00000"/>
-            </a:solidFill>
-            <a:tailEnd type="triangle"/>
-          </a:ln>
-        </p:spPr>
-        <p:style>
-          <a:lnRef idx="1">
-            <a:schemeClr val="accent1"/>
-          </a:lnRef>
-          <a:fillRef idx="0">
-            <a:schemeClr val="accent1"/>
-          </a:fillRef>
-          <a:effectRef idx="0">
-            <a:schemeClr val="accent1"/>
-          </a:effectRef>
-          <a:fontRef idx="minor">
-            <a:schemeClr val="tx1"/>
-          </a:fontRef>
-        </p:style>
-      </p:cxnSp>
-      <p:sp>
-        <p:nvSpPr>
-          <p:cNvPr id="26" name="TextBox 25"/>
-          <p:cNvSpPr txBox="1"/>
-          <p:nvPr/>
-        </p:nvSpPr>
-        <p:spPr>
-          <a:xfrm>
-            <a:off x="9215070" y="4561132"/>
-            <a:ext cx="2037806" cy="954107"/>
+      <p:sp>
+        <p:nvSpPr>
+          <p:cNvPr id="10" name="Rectangle 9"/>
+          <p:cNvSpPr/>
+          <p:nvPr/>
+        </p:nvSpPr>
+        <p:spPr>
+          <a:xfrm>
+            <a:off x="3870267" y="4050467"/>
+            <a:ext cx="1681448" cy="1867416"/>
           </a:xfrm>
           <a:prstGeom prst="rect">
             <a:avLst/>
           </a:prstGeom>
           <a:noFill/>
-          <a:ln w="19050">
+          <a:ln w="28575">
             <a:solidFill>
               <a:srgbClr val="C00000"/>
             </a:solidFill>
           </a:ln>
         </p:spPr>
-        <p:txBody>
-          <a:bodyPr wrap="square" rtlCol="0">
-            <a:spAutoFit/>
-          </a:bodyPr>
-          <a:lstStyle/>
-          <a:p>
-            <a:r>
-              <a:rPr lang="en-US" sz="1400" dirty="0" smtClean="0">
-                <a:solidFill>
-                  <a:srgbClr val="C00000"/>
-                </a:solidFill>
-              </a:rPr>
-              <a:t>When you click on each horizontal section, the content below it will expand.</a:t>
-            </a:r>
-          </a:p>
-        </p:txBody>
-      </p:sp>
-      <p:cxnSp>
-        <p:nvCxnSpPr>
-          <p:cNvPr id="29" name="Straight Arrow Connector 28"/>
-          <p:cNvCxnSpPr>
-            <a:stCxn id="26" idx="1"/>
-          </p:cNvCxnSpPr>
-          <p:nvPr/>
-        </p:nvCxnSpPr>
-        <p:spPr>
-          <a:xfrm flipH="1" flipV="1">
-            <a:off x="8138160" y="4857067"/>
-            <a:ext cx="1076910" cy="181119"/>
-          </a:xfrm>
-          <a:prstGeom prst="straightConnector1">
-            <a:avLst/>
-          </a:prstGeom>
-          <a:ln>
-            <a:solidFill>
-              <a:srgbClr val="C00000"/>
-            </a:solidFill>
-            <a:tailEnd type="triangle"/>
-          </a:ln>
-        </p:spPr>
         <p:style>
-          <a:lnRef idx="1">
-            <a:schemeClr val="accent1"/>
+          <a:lnRef idx="2">
+            <a:schemeClr val="accent1">
+              <a:shade val="50000"/>
+            </a:schemeClr>
           </a:lnRef>
-          <a:fillRef idx="0">
+          <a:fillRef idx="1">
             <a:schemeClr val="accent1"/>
           </a:fillRef>
           <a:effectRef idx="0">
             <a:schemeClr val="accent1"/>
           </a:effectRef>
           <a:fontRef idx="minor">
-            <a:schemeClr val="tx1"/>
+            <a:schemeClr val="lt1"/>
           </a:fontRef>
         </p:style>
-      </p:cxnSp>
+        <p:txBody>
+          <a:bodyPr rtlCol="0" anchor="ctr"/>
+          <a:lstStyle/>
+          <a:p>
+            <a:pPr algn="ctr"/>
+            <a:endParaRPr lang="en-US"/>
+          </a:p>
+        </p:txBody>
+      </p:sp>
     </p:spTree>
     <p:extLst>
       <p:ext uri="{BB962C8B-B14F-4D97-AF65-F5344CB8AC3E}">
-        <p14:creationId xmlns:p14="http://schemas.microsoft.com/office/powerpoint/2010/main" val="3388395990"/>
+        <p14:creationId xmlns:p14="http://schemas.microsoft.com/office/powerpoint/2010/main" val="2227907177"/>
       </p:ext>
     </p:extLst>
   </p:cSld>
@@ -5683,6 +5723,382 @@
 </p:sld>
 </file>
 
+<file path=ppt/slides/slide20.xml><?xml version="1.0" encoding="utf-8"?>
+<p:sld xmlns:a="http://schemas.openxmlformats.org/drawingml/2006/main" xmlns:r="http://schemas.openxmlformats.org/officeDocument/2006/relationships" xmlns:p="http://schemas.openxmlformats.org/presentationml/2006/main">
+  <p:cSld>
+    <p:spTree>
+      <p:nvGrpSpPr>
+        <p:cNvPr id="1" name=""/>
+        <p:cNvGrpSpPr/>
+        <p:nvPr/>
+      </p:nvGrpSpPr>
+      <p:grpSpPr>
+        <a:xfrm>
+          <a:off x="0" y="0"/>
+          <a:ext cx="0" cy="0"/>
+          <a:chOff x="0" y="0"/>
+          <a:chExt cx="0" cy="0"/>
+        </a:xfrm>
+      </p:grpSpPr>
+      <p:pic>
+        <p:nvPicPr>
+          <p:cNvPr id="3" name="Picture 2"/>
+          <p:cNvPicPr>
+            <a:picLocks noChangeAspect="1"/>
+          </p:cNvPicPr>
+          <p:nvPr/>
+        </p:nvPicPr>
+        <p:blipFill>
+          <a:blip r:embed="rId2"/>
+          <a:stretch>
+            <a:fillRect/>
+          </a:stretch>
+        </p:blipFill>
+        <p:spPr>
+          <a:xfrm>
+            <a:off x="3347663" y="2508950"/>
+            <a:ext cx="5406634" cy="4088674"/>
+          </a:xfrm>
+          <a:prstGeom prst="rect">
+            <a:avLst/>
+          </a:prstGeom>
+        </p:spPr>
+      </p:pic>
+      <p:sp>
+        <p:nvSpPr>
+          <p:cNvPr id="4" name="Title 3"/>
+          <p:cNvSpPr>
+            <a:spLocks noGrp="1"/>
+          </p:cNvSpPr>
+          <p:nvPr>
+            <p:ph type="title"/>
+          </p:nvPr>
+        </p:nvSpPr>
+        <p:spPr/>
+        <p:txBody>
+          <a:bodyPr/>
+          <a:lstStyle/>
+          <a:p>
+            <a:r>
+              <a:rPr lang="en-US" dirty="0"/>
+              <a:t>Isomer Templates – </a:t>
+            </a:r>
+            <a:r>
+              <a:rPr lang="en-US" dirty="0" smtClean="0"/>
+              <a:t>our-team</a:t>
+            </a:r>
+            <a:endParaRPr lang="en-US" dirty="0"/>
+          </a:p>
+        </p:txBody>
+      </p:sp>
+      <p:sp>
+        <p:nvSpPr>
+          <p:cNvPr id="5" name="Content Placeholder 1"/>
+          <p:cNvSpPr>
+            <a:spLocks noGrp="1"/>
+          </p:cNvSpPr>
+          <p:nvPr>
+            <p:ph sz="half" idx="1"/>
+          </p:nvPr>
+        </p:nvSpPr>
+        <p:spPr>
+          <a:xfrm>
+            <a:off x="632773" y="1363199"/>
+            <a:ext cx="10836415" cy="1041739"/>
+          </a:xfrm>
+        </p:spPr>
+        <p:txBody>
+          <a:bodyPr>
+            <a:normAutofit fontScale="92500" lnSpcReduction="10000"/>
+          </a:bodyPr>
+          <a:lstStyle/>
+          <a:p>
+            <a:pPr marL="0" indent="0">
+              <a:lnSpc>
+                <a:spcPct val="150000"/>
+              </a:lnSpc>
+              <a:buNone/>
+            </a:pPr>
+            <a:r>
+              <a:rPr lang="en-US" dirty="0" smtClean="0">
+                <a:solidFill>
+                  <a:srgbClr val="2A3643"/>
+                </a:solidFill>
+              </a:rPr>
+              <a:t>The our-team layout is used in only specific pages like ‘Our </a:t>
+            </a:r>
+            <a:r>
+              <a:rPr lang="en-US" dirty="0">
+                <a:solidFill>
+                  <a:srgbClr val="2A3643"/>
+                </a:solidFill>
+              </a:rPr>
+              <a:t>O</a:t>
+            </a:r>
+            <a:r>
+              <a:rPr lang="en-US" dirty="0" smtClean="0">
+                <a:solidFill>
+                  <a:srgbClr val="2A3643"/>
+                </a:solidFill>
+              </a:rPr>
+              <a:t>rganisation and Structure’, ‘FAQ’ and ‘Certified Companies’.</a:t>
+            </a:r>
+          </a:p>
+          <a:p>
+            <a:endParaRPr lang="en-US" dirty="0" smtClean="0">
+              <a:solidFill>
+                <a:srgbClr val="2A3643"/>
+              </a:solidFill>
+            </a:endParaRPr>
+          </a:p>
+        </p:txBody>
+      </p:sp>
+      <p:sp>
+        <p:nvSpPr>
+          <p:cNvPr id="16" name="TextBox 15"/>
+          <p:cNvSpPr txBox="1"/>
+          <p:nvPr/>
+        </p:nvSpPr>
+        <p:spPr>
+          <a:xfrm>
+            <a:off x="1321134" y="3653191"/>
+            <a:ext cx="1887105" cy="1384995"/>
+          </a:xfrm>
+          <a:prstGeom prst="rect">
+            <a:avLst/>
+          </a:prstGeom>
+          <a:noFill/>
+          <a:ln w="19050">
+            <a:solidFill>
+              <a:srgbClr val="C00000"/>
+            </a:solidFill>
+          </a:ln>
+        </p:spPr>
+        <p:txBody>
+          <a:bodyPr wrap="square" rtlCol="0">
+            <a:spAutoFit/>
+          </a:bodyPr>
+          <a:lstStyle/>
+          <a:p>
+            <a:r>
+              <a:rPr lang="en-US" sz="1400" dirty="0" smtClean="0">
+                <a:solidFill>
+                  <a:srgbClr val="C00000"/>
+                </a:solidFill>
+              </a:rPr>
+              <a:t>Contains an accordion (collapsible content). Each horizontal section contains a brief title, description, question etc.</a:t>
+            </a:r>
+            <a:endParaRPr lang="en-US" sz="1400" dirty="0">
+              <a:solidFill>
+                <a:srgbClr val="C00000"/>
+              </a:solidFill>
+            </a:endParaRPr>
+          </a:p>
+        </p:txBody>
+      </p:sp>
+      <p:cxnSp>
+        <p:nvCxnSpPr>
+          <p:cNvPr id="17" name="Straight Arrow Connector 16"/>
+          <p:cNvCxnSpPr>
+            <a:stCxn id="16" idx="3"/>
+          </p:cNvCxnSpPr>
+          <p:nvPr/>
+        </p:nvCxnSpPr>
+        <p:spPr>
+          <a:xfrm flipV="1">
+            <a:off x="3208239" y="4345688"/>
+            <a:ext cx="1718243" cy="1"/>
+          </a:xfrm>
+          <a:prstGeom prst="straightConnector1">
+            <a:avLst/>
+          </a:prstGeom>
+          <a:ln>
+            <a:solidFill>
+              <a:srgbClr val="C00000"/>
+            </a:solidFill>
+            <a:tailEnd type="triangle"/>
+          </a:ln>
+        </p:spPr>
+        <p:style>
+          <a:lnRef idx="1">
+            <a:schemeClr val="accent1"/>
+          </a:lnRef>
+          <a:fillRef idx="0">
+            <a:schemeClr val="accent1"/>
+          </a:fillRef>
+          <a:effectRef idx="0">
+            <a:schemeClr val="accent1"/>
+          </a:effectRef>
+          <a:fontRef idx="minor">
+            <a:schemeClr val="tx1"/>
+          </a:fontRef>
+        </p:style>
+      </p:cxnSp>
+      <p:cxnSp>
+        <p:nvCxnSpPr>
+          <p:cNvPr id="18" name="Straight Arrow Connector 17"/>
+          <p:cNvCxnSpPr>
+            <a:stCxn id="16" idx="3"/>
+          </p:cNvCxnSpPr>
+          <p:nvPr/>
+        </p:nvCxnSpPr>
+        <p:spPr>
+          <a:xfrm>
+            <a:off x="3208239" y="4345689"/>
+            <a:ext cx="1814217" cy="997020"/>
+          </a:xfrm>
+          <a:prstGeom prst="straightConnector1">
+            <a:avLst/>
+          </a:prstGeom>
+          <a:ln>
+            <a:solidFill>
+              <a:srgbClr val="C00000"/>
+            </a:solidFill>
+            <a:tailEnd type="triangle"/>
+          </a:ln>
+        </p:spPr>
+        <p:style>
+          <a:lnRef idx="1">
+            <a:schemeClr val="accent1"/>
+          </a:lnRef>
+          <a:fillRef idx="0">
+            <a:schemeClr val="accent1"/>
+          </a:fillRef>
+          <a:effectRef idx="0">
+            <a:schemeClr val="accent1"/>
+          </a:effectRef>
+          <a:fontRef idx="minor">
+            <a:schemeClr val="tx1"/>
+          </a:fontRef>
+        </p:style>
+      </p:cxnSp>
+      <p:cxnSp>
+        <p:nvCxnSpPr>
+          <p:cNvPr id="19" name="Straight Arrow Connector 18"/>
+          <p:cNvCxnSpPr>
+            <a:stCxn id="16" idx="3"/>
+          </p:cNvCxnSpPr>
+          <p:nvPr/>
+        </p:nvCxnSpPr>
+        <p:spPr>
+          <a:xfrm>
+            <a:off x="3208239" y="4345689"/>
+            <a:ext cx="1718243" cy="1480345"/>
+          </a:xfrm>
+          <a:prstGeom prst="straightConnector1">
+            <a:avLst/>
+          </a:prstGeom>
+          <a:ln>
+            <a:solidFill>
+              <a:srgbClr val="C00000"/>
+            </a:solidFill>
+            <a:tailEnd type="triangle"/>
+          </a:ln>
+        </p:spPr>
+        <p:style>
+          <a:lnRef idx="1">
+            <a:schemeClr val="accent1"/>
+          </a:lnRef>
+          <a:fillRef idx="0">
+            <a:schemeClr val="accent1"/>
+          </a:fillRef>
+          <a:effectRef idx="0">
+            <a:schemeClr val="accent1"/>
+          </a:effectRef>
+          <a:fontRef idx="minor">
+            <a:schemeClr val="tx1"/>
+          </a:fontRef>
+        </p:style>
+      </p:cxnSp>
+      <p:sp>
+        <p:nvSpPr>
+          <p:cNvPr id="26" name="TextBox 25"/>
+          <p:cNvSpPr txBox="1"/>
+          <p:nvPr/>
+        </p:nvSpPr>
+        <p:spPr>
+          <a:xfrm>
+            <a:off x="9215070" y="4561132"/>
+            <a:ext cx="2037806" cy="954107"/>
+          </a:xfrm>
+          <a:prstGeom prst="rect">
+            <a:avLst/>
+          </a:prstGeom>
+          <a:noFill/>
+          <a:ln w="19050">
+            <a:solidFill>
+              <a:srgbClr val="C00000"/>
+            </a:solidFill>
+          </a:ln>
+        </p:spPr>
+        <p:txBody>
+          <a:bodyPr wrap="square" rtlCol="0">
+            <a:spAutoFit/>
+          </a:bodyPr>
+          <a:lstStyle/>
+          <a:p>
+            <a:r>
+              <a:rPr lang="en-US" sz="1400" dirty="0" smtClean="0">
+                <a:solidFill>
+                  <a:srgbClr val="C00000"/>
+                </a:solidFill>
+              </a:rPr>
+              <a:t>When you click on each horizontal section, the content below it will expand.</a:t>
+            </a:r>
+          </a:p>
+        </p:txBody>
+      </p:sp>
+      <p:cxnSp>
+        <p:nvCxnSpPr>
+          <p:cNvPr id="29" name="Straight Arrow Connector 28"/>
+          <p:cNvCxnSpPr>
+            <a:stCxn id="26" idx="1"/>
+          </p:cNvCxnSpPr>
+          <p:nvPr/>
+        </p:nvCxnSpPr>
+        <p:spPr>
+          <a:xfrm flipH="1" flipV="1">
+            <a:off x="8138160" y="4857067"/>
+            <a:ext cx="1076910" cy="181119"/>
+          </a:xfrm>
+          <a:prstGeom prst="straightConnector1">
+            <a:avLst/>
+          </a:prstGeom>
+          <a:ln>
+            <a:solidFill>
+              <a:srgbClr val="C00000"/>
+            </a:solidFill>
+            <a:tailEnd type="triangle"/>
+          </a:ln>
+        </p:spPr>
+        <p:style>
+          <a:lnRef idx="1">
+            <a:schemeClr val="accent1"/>
+          </a:lnRef>
+          <a:fillRef idx="0">
+            <a:schemeClr val="accent1"/>
+          </a:fillRef>
+          <a:effectRef idx="0">
+            <a:schemeClr val="accent1"/>
+          </a:effectRef>
+          <a:fontRef idx="minor">
+            <a:schemeClr val="tx1"/>
+          </a:fontRef>
+        </p:style>
+      </p:cxnSp>
+    </p:spTree>
+    <p:extLst>
+      <p:ext uri="{BB962C8B-B14F-4D97-AF65-F5344CB8AC3E}">
+        <p14:creationId xmlns:p14="http://schemas.microsoft.com/office/powerpoint/2010/main" val="3388395990"/>
+      </p:ext>
+    </p:extLst>
+  </p:cSld>
+  <p:clrMapOvr>
+    <a:masterClrMapping/>
+  </p:clrMapOvr>
+</p:sld>
+</file>
+
 <file path=ppt/slides/slide3.xml><?xml version="1.0" encoding="utf-8"?>
 <p:sld xmlns:a="http://schemas.openxmlformats.org/drawingml/2006/main" xmlns:r="http://schemas.openxmlformats.org/officeDocument/2006/relationships" xmlns:p="http://schemas.openxmlformats.org/presentationml/2006/main">
   <p:cSld>
@@ -5780,7 +6196,15 @@
                   <a:srgbClr val="C00000"/>
                 </a:solidFill>
               </a:rPr>
-              <a:t>Main Navigation Banner</a:t>
+              <a:t>Main Navigation </a:t>
+            </a:r>
+            <a:r>
+              <a:rPr lang="en-US" sz="1400" dirty="0" smtClean="0">
+                <a:solidFill>
+                  <a:srgbClr val="C00000"/>
+                </a:solidFill>
+              </a:rPr>
+              <a:t>Bar</a:t>
             </a:r>
             <a:endParaRPr lang="en-US" sz="1400" dirty="0">
               <a:solidFill>
@@ -6454,8 +6878,8 @@
         </p:nvSpPr>
         <p:spPr>
           <a:xfrm>
-            <a:off x="866095" y="1629093"/>
-            <a:ext cx="1384663" cy="2031325"/>
+            <a:off x="352697" y="1629093"/>
+            <a:ext cx="1898061" cy="1600438"/>
           </a:xfrm>
           <a:prstGeom prst="rect">
             <a:avLst/>
@@ -6479,7 +6903,7 @@
                   <a:srgbClr val="C00000"/>
                 </a:solidFill>
               </a:rPr>
-              <a:t>Each </a:t>
+              <a:t>Each tab in the SAC website main navigation </a:t>
             </a:r>
             <a:r>
               <a:rPr lang="en-US" sz="1400" dirty="0" smtClean="0">
@@ -6487,7 +6911,7 @@
                   <a:srgbClr val="C00000"/>
                 </a:solidFill>
               </a:rPr>
-              <a:t>tab</a:t>
+              <a:t>bar </a:t>
             </a:r>
             <a:r>
               <a:rPr lang="en-US" sz="1400" dirty="0" smtClean="0">
@@ -6495,15 +6919,7 @@
                   <a:srgbClr val="C00000"/>
                 </a:solidFill>
               </a:rPr>
-              <a:t> </a:t>
-            </a:r>
-            <a:r>
-              <a:rPr lang="en-US" sz="1400" dirty="0" smtClean="0">
-                <a:solidFill>
-                  <a:srgbClr val="C00000"/>
-                </a:solidFill>
-              </a:rPr>
-              <a:t>in the SAC website main navigation banner contains a folder of all the sub-pages, e.g. ‘about’, ‘accredited-org’, ‘ services’</a:t>
+              <a:t>contains a folder of all the sub-pages, e.g. ‘about’, ‘accredited-org’, ‘ services’</a:t>
             </a:r>
             <a:endParaRPr lang="en-US" sz="1400" dirty="0">
               <a:solidFill>
@@ -6522,7 +6938,7 @@
         <p:spPr>
           <a:xfrm>
             <a:off x="352697" y="4388709"/>
-            <a:ext cx="1872280" cy="1815882"/>
+            <a:ext cx="1872280" cy="2031325"/>
           </a:xfrm>
           <a:prstGeom prst="rect">
             <a:avLst/>
@@ -6554,15 +6970,7 @@
                   <a:srgbClr val="C00000"/>
                 </a:solidFill>
               </a:rPr>
-              <a:t>tab</a:t>
-            </a:r>
-            <a:r>
-              <a:rPr lang="en-US" sz="1400" dirty="0" smtClean="0">
-                <a:solidFill>
-                  <a:srgbClr val="C00000"/>
-                </a:solidFill>
-              </a:rPr>
-              <a:t> </a:t>
+              <a:t> bar tab </a:t>
             </a:r>
             <a:r>
               <a:rPr lang="en-US" sz="1400" dirty="0" smtClean="0">
@@ -6590,8 +6998,8 @@
         </p:nvCxnSpPr>
         <p:spPr>
           <a:xfrm flipV="1">
-            <a:off x="2250758" y="1515748"/>
-            <a:ext cx="662986" cy="1129008"/>
+            <a:off x="2250758" y="1515749"/>
+            <a:ext cx="662986" cy="913563"/>
           </a:xfrm>
           <a:prstGeom prst="straightConnector1">
             <a:avLst/>
@@ -6628,8 +7036,8 @@
         </p:nvCxnSpPr>
         <p:spPr>
           <a:xfrm flipV="1">
-            <a:off x="2250758" y="1752122"/>
-            <a:ext cx="707134" cy="892634"/>
+            <a:off x="2250758" y="1752123"/>
+            <a:ext cx="707134" cy="677189"/>
           </a:xfrm>
           <a:prstGeom prst="straightConnector1">
             <a:avLst/>
@@ -6666,8 +7074,8 @@
         </p:nvCxnSpPr>
         <p:spPr>
           <a:xfrm>
-            <a:off x="2250758" y="2644756"/>
-            <a:ext cx="707134" cy="158179"/>
+            <a:off x="2250758" y="2429312"/>
+            <a:ext cx="707134" cy="373623"/>
           </a:xfrm>
           <a:prstGeom prst="straightConnector1">
             <a:avLst/>
@@ -6705,8 +7113,8 @@
         </p:nvCxnSpPr>
         <p:spPr>
           <a:xfrm>
-            <a:off x="2250758" y="2644756"/>
-            <a:ext cx="658178" cy="1403779"/>
+            <a:off x="2250758" y="2429312"/>
+            <a:ext cx="658178" cy="1619223"/>
           </a:xfrm>
           <a:prstGeom prst="straightConnector1">
             <a:avLst/>
@@ -6743,8 +7151,8 @@
         </p:nvCxnSpPr>
         <p:spPr>
           <a:xfrm>
-            <a:off x="2250758" y="2644756"/>
-            <a:ext cx="707134" cy="394553"/>
+            <a:off x="2250758" y="2429312"/>
+            <a:ext cx="707134" cy="609997"/>
           </a:xfrm>
           <a:prstGeom prst="straightConnector1">
             <a:avLst/>
@@ -6782,7 +7190,7 @@
         <p:spPr>
           <a:xfrm flipV="1">
             <a:off x="2250758" y="2356792"/>
-            <a:ext cx="662986" cy="287964"/>
+            <a:ext cx="662986" cy="72520"/>
           </a:xfrm>
           <a:prstGeom prst="straightConnector1">
             <a:avLst/>
@@ -6819,8 +7227,8 @@
         </p:nvCxnSpPr>
         <p:spPr>
           <a:xfrm>
-            <a:off x="2224977" y="5296650"/>
-            <a:ext cx="732915" cy="429704"/>
+            <a:off x="2224977" y="5404372"/>
+            <a:ext cx="732915" cy="321982"/>
           </a:xfrm>
           <a:prstGeom prst="straightConnector1">
             <a:avLst/>
@@ -6857,8 +7265,8 @@
         </p:nvCxnSpPr>
         <p:spPr>
           <a:xfrm>
-            <a:off x="2224977" y="5296650"/>
-            <a:ext cx="732915" cy="202814"/>
+            <a:off x="2224977" y="5404372"/>
+            <a:ext cx="732915" cy="95092"/>
           </a:xfrm>
           <a:prstGeom prst="straightConnector1">
             <a:avLst/>
@@ -6895,8 +7303,8 @@
         </p:nvCxnSpPr>
         <p:spPr>
           <a:xfrm>
-            <a:off x="2224977" y="5296650"/>
-            <a:ext cx="732915" cy="836553"/>
+            <a:off x="2224977" y="5404372"/>
+            <a:ext cx="732915" cy="728831"/>
           </a:xfrm>
           <a:prstGeom prst="straightConnector1">
             <a:avLst/>
@@ -6933,8 +7341,8 @@
         </p:nvCxnSpPr>
         <p:spPr>
           <a:xfrm>
-            <a:off x="2224977" y="5296650"/>
-            <a:ext cx="688767" cy="1051899"/>
+            <a:off x="2224977" y="5404372"/>
+            <a:ext cx="688767" cy="944177"/>
           </a:xfrm>
           <a:prstGeom prst="straightConnector1">
             <a:avLst/>
@@ -6971,8 +7379,8 @@
         </p:nvCxnSpPr>
         <p:spPr>
           <a:xfrm>
-            <a:off x="2224977" y="5296650"/>
-            <a:ext cx="688767" cy="1300093"/>
+            <a:off x="2224977" y="5404372"/>
+            <a:ext cx="688767" cy="1192371"/>
           </a:xfrm>
           <a:prstGeom prst="straightConnector1">
             <a:avLst/>
@@ -7625,7 +8033,7 @@
         <p:spPr>
           <a:xfrm>
             <a:off x="384876" y="3355061"/>
-            <a:ext cx="1384663" cy="2031325"/>
+            <a:ext cx="1384663" cy="1815882"/>
           </a:xfrm>
           <a:prstGeom prst="rect">
             <a:avLst/>
@@ -7649,7 +8057,31 @@
                   <a:srgbClr val="C00000"/>
                 </a:solidFill>
               </a:rPr>
-              <a:t>Filenames correspond to the names of the sub-pages under the ‘about’ navigation section of the website</a:t>
+              <a:t>Filenames correspond to the names of the </a:t>
+            </a:r>
+            <a:r>
+              <a:rPr lang="en-US" sz="1400" dirty="0" smtClean="0">
+                <a:solidFill>
+                  <a:srgbClr val="C00000"/>
+                </a:solidFill>
+              </a:rPr>
+              <a:t>sub-link pages </a:t>
+            </a:r>
+            <a:r>
+              <a:rPr lang="en-US" sz="1400" dirty="0" smtClean="0">
+                <a:solidFill>
+                  <a:srgbClr val="C00000"/>
+                </a:solidFill>
+              </a:rPr>
+              <a:t>under the ‘about’ </a:t>
+            </a:r>
+            <a:r>
+              <a:rPr lang="en-US" sz="1400" dirty="0" smtClean="0">
+                <a:solidFill>
+                  <a:srgbClr val="C00000"/>
+                </a:solidFill>
+              </a:rPr>
+              <a:t>main navigation bar tab</a:t>
             </a:r>
             <a:endParaRPr lang="en-US" sz="1400" dirty="0">
               <a:solidFill>
@@ -7670,7 +8102,7 @@
         <p:spPr>
           <a:xfrm flipV="1">
             <a:off x="1769539" y="3087498"/>
-            <a:ext cx="634027" cy="1283226"/>
+            <a:ext cx="634027" cy="1175504"/>
           </a:xfrm>
           <a:prstGeom prst="straightConnector1">
             <a:avLst/>
@@ -7708,7 +8140,7 @@
         <p:spPr>
           <a:xfrm flipV="1">
             <a:off x="1769539" y="3350744"/>
-            <a:ext cx="634027" cy="1019980"/>
+            <a:ext cx="634027" cy="912258"/>
           </a:xfrm>
           <a:prstGeom prst="straightConnector1">
             <a:avLst/>
@@ -7746,7 +8178,7 @@
         <p:spPr>
           <a:xfrm flipV="1">
             <a:off x="1769539" y="3672270"/>
-            <a:ext cx="634027" cy="698454"/>
+            <a:ext cx="634027" cy="590732"/>
           </a:xfrm>
           <a:prstGeom prst="straightConnector1">
             <a:avLst/>
